--- a/HEX_PROJECT_6_MERAKI_ACADEMY_.pptx
+++ b/HEX_PROJECT_6_MERAKI_ACADEMY_.pptx
@@ -2385,10 +2385,9 @@
             </a:lnSpc>
           </a:pPr>
           <a:r>
-            <a:rPr lang="en-US" sz="1400" b="1" dirty="0" smtClean="0"/>
+            <a:rPr lang="en-US" sz="1400" b="1" dirty="0"/>
             <a:t>Enroll Course</a:t>
           </a:r>
-          <a:endParaRPr lang="en-US" sz="1400" b="1" dirty="0"/>
         </a:p>
       </dgm:t>
     </dgm:pt>
@@ -2433,13 +2432,8 @@
           </a:pPr>
           <a:r>
             <a:rPr lang="en-US" sz="1400" b="1" dirty="0"/>
-            <a:t>Join as A </a:t>
+            <a:t>Join as A Teacher.</a:t>
           </a:r>
-          <a:r>
-            <a:rPr lang="en-US" sz="1400" b="1" dirty="0" smtClean="0"/>
-            <a:t>Teacher.</a:t>
-          </a:r>
-          <a:endParaRPr lang="en-US" sz="1400" b="1" dirty="0"/>
         </a:p>
       </dgm:t>
     </dgm:pt>
@@ -2483,10 +2477,9 @@
             </a:lnSpc>
           </a:pPr>
           <a:r>
-            <a:rPr lang="en-US" sz="1400" b="1" dirty="0" smtClean="0"/>
+            <a:rPr lang="en-US" sz="1400" b="1" dirty="0"/>
             <a:t>Live Video</a:t>
           </a:r>
-          <a:endParaRPr lang="en-US" sz="1400" b="1" dirty="0"/>
         </a:p>
         <a:p>
           <a:pPr>
@@ -2538,10 +2531,9 @@
             </a:lnSpc>
           </a:pPr>
           <a:r>
-            <a:rPr lang="en-US" sz="1400" b="1" dirty="0" smtClean="0"/>
+            <a:rPr lang="en-US" sz="1400" b="1" dirty="0"/>
             <a:t>Chatting.</a:t>
           </a:r>
-          <a:endParaRPr lang="en-US" sz="1400" b="1" dirty="0"/>
         </a:p>
       </dgm:t>
     </dgm:pt>
@@ -2631,10 +2623,9 @@
             </a:lnSpc>
           </a:pPr>
           <a:r>
-            <a:rPr lang="en-US" sz="1400" b="1" dirty="0" smtClean="0"/>
+            <a:rPr lang="en-US" sz="1400" b="1" dirty="0"/>
             <a:t>Online Payment</a:t>
           </a:r>
-          <a:endParaRPr lang="en-US" sz="1400" b="1" dirty="0"/>
         </a:p>
       </dgm:t>
     </dgm:pt>
@@ -2678,10 +2669,9 @@
             </a:lnSpc>
           </a:pPr>
           <a:r>
-            <a:rPr lang="en-US" sz="1400" b="1" dirty="0" smtClean="0"/>
+            <a:rPr lang="en-US" sz="1400" b="1" dirty="0"/>
             <a:t>Verification Email</a:t>
           </a:r>
-          <a:endParaRPr lang="en-US" sz="1400" b="1" dirty="0"/>
         </a:p>
       </dgm:t>
     </dgm:pt>
@@ -2725,10 +2715,9 @@
             </a:lnSpc>
           </a:pPr>
           <a:r>
-            <a:rPr lang="en-US" sz="1400" b="1" dirty="0" smtClean="0"/>
+            <a:rPr lang="en-US" sz="1400" b="1" dirty="0"/>
             <a:t>Feedback</a:t>
           </a:r>
-          <a:endParaRPr lang="en-US" sz="1400" b="1" dirty="0"/>
         </a:p>
       </dgm:t>
     </dgm:pt>
@@ -2772,12 +2761,8 @@
             </a:lnSpc>
           </a:pPr>
           <a:r>
-            <a:rPr lang="en-US" sz="1400" b="1" dirty="0" smtClean="0"/>
-            <a:t>Course  </a:t>
-          </a:r>
-          <a:r>
             <a:rPr lang="en-US" sz="1400" b="1" dirty="0"/>
-            <a:t>Review </a:t>
+            <a:t>Course  Review </a:t>
           </a:r>
         </a:p>
       </dgm:t>
@@ -2812,13 +2797,6 @@
         </dgm:presLayoutVars>
       </dgm:prSet>
       <dgm:spPr/>
-      <dgm:t>
-        <a:bodyPr/>
-        <a:lstStyle/>
-        <a:p>
-          <a:endParaRPr lang="en-US"/>
-        </a:p>
-      </dgm:t>
     </dgm:pt>
     <dgm:pt modelId="{21182D75-CCA2-4743-8D93-BBFABFA8973C}" type="pres">
       <dgm:prSet presAssocID="{208A73ED-1007-4EF2-A686-50F6DD044720}" presName="container" presStyleCnt="0">
@@ -2843,13 +2821,6 @@
           </a:schemeClr>
         </a:solidFill>
       </dgm:spPr>
-      <dgm:t>
-        <a:bodyPr/>
-        <a:lstStyle/>
-        <a:p>
-          <a:endParaRPr lang="en-US"/>
-        </a:p>
-      </dgm:t>
     </dgm:pt>
     <dgm:pt modelId="{006DFB3C-E98C-46FE-9968-A8307EC470D8}" type="pres">
       <dgm:prSet presAssocID="{A71F4D0A-FA1F-40B9-A426-739A664D7756}" presName="iconRect" presStyleLbl="node1" presStyleIdx="0" presStyleCnt="9" custLinFactNeighborX="-6903" custLinFactNeighborY="-3306"/>
@@ -2868,14 +2839,6 @@
           </a:stretch>
         </a:blipFill>
       </dgm:spPr>
-      <dgm:t>
-        <a:bodyPr/>
-        <a:lstStyle/>
-        <a:p>
-          <a:endParaRPr lang="en-US"/>
-        </a:p>
-      </dgm:t>
-      <dgm:extLst/>
     </dgm:pt>
     <dgm:pt modelId="{233EAA29-0CB8-4B62-AC9E-98CBB416B1CC}" type="pres">
       <dgm:prSet presAssocID="{A71F4D0A-FA1F-40B9-A426-739A664D7756}" presName="spaceRect" presStyleCnt="0"/>
@@ -2889,24 +2852,10 @@
         </dgm:presLayoutVars>
       </dgm:prSet>
       <dgm:spPr/>
-      <dgm:t>
-        <a:bodyPr/>
-        <a:lstStyle/>
-        <a:p>
-          <a:endParaRPr lang="en-US"/>
-        </a:p>
-      </dgm:t>
     </dgm:pt>
     <dgm:pt modelId="{0E4142AF-BAAF-4976-B2CA-FB9619B9623C}" type="pres">
       <dgm:prSet presAssocID="{4AF2157F-44DC-4C43-A5A4-94D8C630AF58}" presName="sibTrans" presStyleLbl="sibTrans2D1" presStyleIdx="0" presStyleCnt="0"/>
       <dgm:spPr/>
-      <dgm:t>
-        <a:bodyPr/>
-        <a:lstStyle/>
-        <a:p>
-          <a:endParaRPr lang="en-US"/>
-        </a:p>
-      </dgm:t>
     </dgm:pt>
     <dgm:pt modelId="{6DE83584-1A4F-450C-A46C-614665E00592}" type="pres">
       <dgm:prSet presAssocID="{0C822E68-278C-472C-B9DF-119BA5E6F9FF}" presName="compNode" presStyleCnt="0"/>
@@ -2922,13 +2871,6 @@
           </a:schemeClr>
         </a:solidFill>
       </dgm:spPr>
-      <dgm:t>
-        <a:bodyPr/>
-        <a:lstStyle/>
-        <a:p>
-          <a:endParaRPr lang="en-US"/>
-        </a:p>
-      </dgm:t>
     </dgm:pt>
     <dgm:pt modelId="{409E5534-AF78-478B-84DE-24BEEEF5333F}" type="pres">
       <dgm:prSet presAssocID="{0C822E68-278C-472C-B9DF-119BA5E6F9FF}" presName="iconRect" presStyleLbl="node1" presStyleIdx="1" presStyleCnt="9" custScaleX="96816" custScaleY="100001" custLinFactNeighborX="-4361" custLinFactNeighborY="-8416"/>
@@ -2947,14 +2889,6 @@
           </a:stretch>
         </a:blipFill>
       </dgm:spPr>
-      <dgm:t>
-        <a:bodyPr/>
-        <a:lstStyle/>
-        <a:p>
-          <a:endParaRPr lang="en-US"/>
-        </a:p>
-      </dgm:t>
-      <dgm:extLst/>
     </dgm:pt>
     <dgm:pt modelId="{EC0C5633-D113-47F3-84A4-6D6239365E10}" type="pres">
       <dgm:prSet presAssocID="{0C822E68-278C-472C-B9DF-119BA5E6F9FF}" presName="spaceRect" presStyleCnt="0"/>
@@ -2968,24 +2902,10 @@
         </dgm:presLayoutVars>
       </dgm:prSet>
       <dgm:spPr/>
-      <dgm:t>
-        <a:bodyPr/>
-        <a:lstStyle/>
-        <a:p>
-          <a:endParaRPr lang="en-US"/>
-        </a:p>
-      </dgm:t>
     </dgm:pt>
     <dgm:pt modelId="{E2DE16EE-17C7-4CD3-A9AC-4519C3D4128D}" type="pres">
       <dgm:prSet presAssocID="{5220BCAE-C942-46F0-B0A9-76AF23B54182}" presName="sibTrans" presStyleLbl="sibTrans2D1" presStyleIdx="0" presStyleCnt="0"/>
       <dgm:spPr/>
-      <dgm:t>
-        <a:bodyPr/>
-        <a:lstStyle/>
-        <a:p>
-          <a:endParaRPr lang="en-US"/>
-        </a:p>
-      </dgm:t>
     </dgm:pt>
     <dgm:pt modelId="{270603DB-362A-4390-A925-251E780FB5E4}" type="pres">
       <dgm:prSet presAssocID="{3AEBBB58-B856-4FC9-A41B-967E845F0ABE}" presName="compNode" presStyleCnt="0"/>
@@ -3001,13 +2921,6 @@
           </a:schemeClr>
         </a:solidFill>
       </dgm:spPr>
-      <dgm:t>
-        <a:bodyPr/>
-        <a:lstStyle/>
-        <a:p>
-          <a:endParaRPr lang="en-US"/>
-        </a:p>
-      </dgm:t>
     </dgm:pt>
     <dgm:pt modelId="{382635E6-C92C-4D18-8FC0-65D2EBC9F4A9}" type="pres">
       <dgm:prSet presAssocID="{3AEBBB58-B856-4FC9-A41B-967E845F0ABE}" presName="iconRect" presStyleLbl="node1" presStyleIdx="2" presStyleCnt="9" custLinFactNeighborX="-6903" custLinFactNeighborY="-3306"/>
@@ -3026,14 +2939,6 @@
           </a:stretch>
         </a:blipFill>
       </dgm:spPr>
-      <dgm:t>
-        <a:bodyPr/>
-        <a:lstStyle/>
-        <a:p>
-          <a:endParaRPr lang="en-US"/>
-        </a:p>
-      </dgm:t>
-      <dgm:extLst/>
     </dgm:pt>
     <dgm:pt modelId="{1E1188E8-9EA8-4A76-9F39-8B2BEB202536}" type="pres">
       <dgm:prSet presAssocID="{3AEBBB58-B856-4FC9-A41B-967E845F0ABE}" presName="spaceRect" presStyleCnt="0"/>
@@ -3047,24 +2952,10 @@
         </dgm:presLayoutVars>
       </dgm:prSet>
       <dgm:spPr/>
-      <dgm:t>
-        <a:bodyPr/>
-        <a:lstStyle/>
-        <a:p>
-          <a:endParaRPr lang="en-US"/>
-        </a:p>
-      </dgm:t>
     </dgm:pt>
     <dgm:pt modelId="{3964FEDC-D75D-4387-8CBD-A29FE6327166}" type="pres">
       <dgm:prSet presAssocID="{6B51DD05-BFBB-4BF2-A876-F68CD94C1932}" presName="sibTrans" presStyleLbl="sibTrans2D1" presStyleIdx="0" presStyleCnt="0"/>
       <dgm:spPr/>
-      <dgm:t>
-        <a:bodyPr/>
-        <a:lstStyle/>
-        <a:p>
-          <a:endParaRPr lang="en-US"/>
-        </a:p>
-      </dgm:t>
     </dgm:pt>
     <dgm:pt modelId="{4BB36C3D-A5DC-44A7-9260-55767777AF70}" type="pres">
       <dgm:prSet presAssocID="{04E967BD-AA08-4FFA-A896-CDB1CC3CFBF0}" presName="compNode" presStyleCnt="0"/>
@@ -3080,13 +2971,6 @@
           </a:schemeClr>
         </a:solidFill>
       </dgm:spPr>
-      <dgm:t>
-        <a:bodyPr/>
-        <a:lstStyle/>
-        <a:p>
-          <a:endParaRPr lang="en-US"/>
-        </a:p>
-      </dgm:t>
     </dgm:pt>
     <dgm:pt modelId="{E2AC1737-7FB8-4915-B771-2C60806857C1}" type="pres">
       <dgm:prSet presAssocID="{04E967BD-AA08-4FFA-A896-CDB1CC3CFBF0}" presName="iconRect" presStyleLbl="node1" presStyleIdx="3" presStyleCnt="9" custLinFactNeighborX="-6903" custLinFactNeighborY="-3306"/>
@@ -3105,14 +2989,6 @@
           </a:stretch>
         </a:blipFill>
       </dgm:spPr>
-      <dgm:t>
-        <a:bodyPr/>
-        <a:lstStyle/>
-        <a:p>
-          <a:endParaRPr lang="en-US"/>
-        </a:p>
-      </dgm:t>
-      <dgm:extLst/>
     </dgm:pt>
     <dgm:pt modelId="{8837C35F-C902-4C5A-8548-C9A373BA2DC5}" type="pres">
       <dgm:prSet presAssocID="{04E967BD-AA08-4FFA-A896-CDB1CC3CFBF0}" presName="spaceRect" presStyleCnt="0"/>
@@ -3126,24 +3002,10 @@
         </dgm:presLayoutVars>
       </dgm:prSet>
       <dgm:spPr/>
-      <dgm:t>
-        <a:bodyPr/>
-        <a:lstStyle/>
-        <a:p>
-          <a:endParaRPr lang="en-US"/>
-        </a:p>
-      </dgm:t>
     </dgm:pt>
     <dgm:pt modelId="{5939719D-EE03-476E-A05B-908671AC955F}" type="pres">
       <dgm:prSet presAssocID="{F393FB9F-A6B1-404C-9B0B-6585C01C9946}" presName="sibTrans" presStyleLbl="sibTrans2D1" presStyleIdx="0" presStyleCnt="0"/>
       <dgm:spPr/>
-      <dgm:t>
-        <a:bodyPr/>
-        <a:lstStyle/>
-        <a:p>
-          <a:endParaRPr lang="en-US"/>
-        </a:p>
-      </dgm:t>
     </dgm:pt>
     <dgm:pt modelId="{0EB4FDBE-9BBB-4964-94A9-ADD68AD4F82A}" type="pres">
       <dgm:prSet presAssocID="{4F22D563-E6DE-4875-8352-309A53DB7E87}" presName="compNode" presStyleCnt="0"/>
@@ -3159,13 +3021,6 @@
           </a:schemeClr>
         </a:solidFill>
       </dgm:spPr>
-      <dgm:t>
-        <a:bodyPr/>
-        <a:lstStyle/>
-        <a:p>
-          <a:endParaRPr lang="en-US"/>
-        </a:p>
-      </dgm:t>
     </dgm:pt>
     <dgm:pt modelId="{6C84312B-46FE-480E-A510-C600B9980C57}" type="pres">
       <dgm:prSet presAssocID="{4F22D563-E6DE-4875-8352-309A53DB7E87}" presName="iconRect" presStyleLbl="node1" presStyleIdx="4" presStyleCnt="9"/>
@@ -3184,14 +3039,6 @@
           </a:stretch>
         </a:blipFill>
       </dgm:spPr>
-      <dgm:t>
-        <a:bodyPr/>
-        <a:lstStyle/>
-        <a:p>
-          <a:endParaRPr lang="en-US"/>
-        </a:p>
-      </dgm:t>
-      <dgm:extLst/>
     </dgm:pt>
     <dgm:pt modelId="{A1005D97-E2DF-4495-BE55-003A223B4DCE}" type="pres">
       <dgm:prSet presAssocID="{4F22D563-E6DE-4875-8352-309A53DB7E87}" presName="spaceRect" presStyleCnt="0"/>
@@ -3205,24 +3052,10 @@
         </dgm:presLayoutVars>
       </dgm:prSet>
       <dgm:spPr/>
-      <dgm:t>
-        <a:bodyPr/>
-        <a:lstStyle/>
-        <a:p>
-          <a:endParaRPr lang="en-US"/>
-        </a:p>
-      </dgm:t>
     </dgm:pt>
     <dgm:pt modelId="{5E0A6B75-6A37-4C72-BAAF-0F6732A6112A}" type="pres">
       <dgm:prSet presAssocID="{85C22642-F219-4BDB-8787-82B56AC672A1}" presName="sibTrans" presStyleLbl="sibTrans2D1" presStyleIdx="0" presStyleCnt="0"/>
       <dgm:spPr/>
-      <dgm:t>
-        <a:bodyPr/>
-        <a:lstStyle/>
-        <a:p>
-          <a:endParaRPr lang="en-US"/>
-        </a:p>
-      </dgm:t>
     </dgm:pt>
     <dgm:pt modelId="{F3E99D73-2F8D-443E-BF62-0D3CBCB18246}" type="pres">
       <dgm:prSet presAssocID="{CCB73373-16E4-4D8C-B645-78EF90DD33B0}" presName="compNode" presStyleCnt="0"/>
@@ -3238,13 +3071,6 @@
           </a:schemeClr>
         </a:solidFill>
       </dgm:spPr>
-      <dgm:t>
-        <a:bodyPr/>
-        <a:lstStyle/>
-        <a:p>
-          <a:endParaRPr lang="en-US"/>
-        </a:p>
-      </dgm:t>
     </dgm:pt>
     <dgm:pt modelId="{D9BCC5A4-28E7-4882-BBC3-9654C65CF461}" type="pres">
       <dgm:prSet presAssocID="{CCB73373-16E4-4D8C-B645-78EF90DD33B0}" presName="iconRect" presStyleLbl="node1" presStyleIdx="5" presStyleCnt="9"/>
@@ -3263,13 +3089,6 @@
           </a:stretch>
         </a:blipFill>
       </dgm:spPr>
-      <dgm:t>
-        <a:bodyPr/>
-        <a:lstStyle/>
-        <a:p>
-          <a:endParaRPr lang="en-US"/>
-        </a:p>
-      </dgm:t>
     </dgm:pt>
     <dgm:pt modelId="{2810ED0A-AF8D-4843-A5AF-A904D41CCB13}" type="pres">
       <dgm:prSet presAssocID="{CCB73373-16E4-4D8C-B645-78EF90DD33B0}" presName="spaceRect" presStyleCnt="0"/>
@@ -3283,24 +3102,10 @@
         </dgm:presLayoutVars>
       </dgm:prSet>
       <dgm:spPr/>
-      <dgm:t>
-        <a:bodyPr/>
-        <a:lstStyle/>
-        <a:p>
-          <a:endParaRPr lang="en-US"/>
-        </a:p>
-      </dgm:t>
     </dgm:pt>
     <dgm:pt modelId="{48A7DFA6-9BA7-45DC-BA3B-DECE0097D026}" type="pres">
       <dgm:prSet presAssocID="{427338C8-364D-43F9-A4FA-B873713933E2}" presName="sibTrans" presStyleLbl="sibTrans2D1" presStyleIdx="0" presStyleCnt="0"/>
       <dgm:spPr/>
-      <dgm:t>
-        <a:bodyPr/>
-        <a:lstStyle/>
-        <a:p>
-          <a:endParaRPr lang="en-US"/>
-        </a:p>
-      </dgm:t>
     </dgm:pt>
     <dgm:pt modelId="{08EC7909-284F-4B27-B745-1641B96A3681}" type="pres">
       <dgm:prSet presAssocID="{0E0F8657-3534-4275-BCBA-15E13E3DF429}" presName="compNode" presStyleCnt="0"/>
@@ -3316,13 +3121,6 @@
           </a:schemeClr>
         </a:solidFill>
       </dgm:spPr>
-      <dgm:t>
-        <a:bodyPr/>
-        <a:lstStyle/>
-        <a:p>
-          <a:endParaRPr lang="en-US"/>
-        </a:p>
-      </dgm:t>
     </dgm:pt>
     <dgm:pt modelId="{36B75B95-8226-40FB-B734-DD81465FF3E7}" type="pres">
       <dgm:prSet presAssocID="{0E0F8657-3534-4275-BCBA-15E13E3DF429}" presName="iconRect" presStyleLbl="node1" presStyleIdx="6" presStyleCnt="9" custLinFactNeighborX="-6903" custLinFactNeighborY="-3306"/>
@@ -3341,14 +3139,6 @@
           </a:stretch>
         </a:blipFill>
       </dgm:spPr>
-      <dgm:t>
-        <a:bodyPr/>
-        <a:lstStyle/>
-        <a:p>
-          <a:endParaRPr lang="en-US"/>
-        </a:p>
-      </dgm:t>
-      <dgm:extLst/>
     </dgm:pt>
     <dgm:pt modelId="{0BE3A910-55E1-438F-A223-7613409DAA29}" type="pres">
       <dgm:prSet presAssocID="{0E0F8657-3534-4275-BCBA-15E13E3DF429}" presName="spaceRect" presStyleCnt="0"/>
@@ -3362,24 +3152,10 @@
         </dgm:presLayoutVars>
       </dgm:prSet>
       <dgm:spPr/>
-      <dgm:t>
-        <a:bodyPr/>
-        <a:lstStyle/>
-        <a:p>
-          <a:endParaRPr lang="en-US"/>
-        </a:p>
-      </dgm:t>
     </dgm:pt>
     <dgm:pt modelId="{181D982F-8720-4074-85CE-721ABA4A791F}" type="pres">
       <dgm:prSet presAssocID="{E4F4608B-B175-4C4F-9604-02911045B067}" presName="sibTrans" presStyleLbl="sibTrans2D1" presStyleIdx="0" presStyleCnt="0"/>
       <dgm:spPr/>
-      <dgm:t>
-        <a:bodyPr/>
-        <a:lstStyle/>
-        <a:p>
-          <a:endParaRPr lang="en-US"/>
-        </a:p>
-      </dgm:t>
     </dgm:pt>
     <dgm:pt modelId="{F996B99B-9002-4FD1-91D5-B40541402CA0}" type="pres">
       <dgm:prSet presAssocID="{C7BAD463-EE3E-4B2A-926B-EC735C5DD0E1}" presName="compNode" presStyleCnt="0"/>
@@ -3395,13 +3171,6 @@
           </a:schemeClr>
         </a:solidFill>
       </dgm:spPr>
-      <dgm:t>
-        <a:bodyPr/>
-        <a:lstStyle/>
-        <a:p>
-          <a:endParaRPr lang="en-US"/>
-        </a:p>
-      </dgm:t>
     </dgm:pt>
     <dgm:pt modelId="{93EC5E10-15D1-472F-B851-AC6496E5406A}" type="pres">
       <dgm:prSet presAssocID="{C7BAD463-EE3E-4B2A-926B-EC735C5DD0E1}" presName="iconRect" presStyleLbl="node1" presStyleIdx="7" presStyleCnt="9"/>
@@ -3420,14 +3189,6 @@
           </a:stretch>
         </a:blipFill>
       </dgm:spPr>
-      <dgm:t>
-        <a:bodyPr/>
-        <a:lstStyle/>
-        <a:p>
-          <a:endParaRPr lang="en-US"/>
-        </a:p>
-      </dgm:t>
-      <dgm:extLst/>
     </dgm:pt>
     <dgm:pt modelId="{94B4438A-B7C8-44B9-B300-67D1361A0A84}" type="pres">
       <dgm:prSet presAssocID="{C7BAD463-EE3E-4B2A-926B-EC735C5DD0E1}" presName="spaceRect" presStyleCnt="0"/>
@@ -3441,24 +3202,10 @@
         </dgm:presLayoutVars>
       </dgm:prSet>
       <dgm:spPr/>
-      <dgm:t>
-        <a:bodyPr/>
-        <a:lstStyle/>
-        <a:p>
-          <a:endParaRPr lang="en-US"/>
-        </a:p>
-      </dgm:t>
     </dgm:pt>
     <dgm:pt modelId="{13C82408-AF6A-4F50-8F79-A96D929D9F8E}" type="pres">
       <dgm:prSet presAssocID="{175464FE-3999-4A81-85AF-DC38656BDA40}" presName="sibTrans" presStyleLbl="sibTrans2D1" presStyleIdx="0" presStyleCnt="0"/>
       <dgm:spPr/>
-      <dgm:t>
-        <a:bodyPr/>
-        <a:lstStyle/>
-        <a:p>
-          <a:endParaRPr lang="en-US"/>
-        </a:p>
-      </dgm:t>
     </dgm:pt>
     <dgm:pt modelId="{B27D8FE7-06F9-4E4D-833C-1982644B1AF9}" type="pres">
       <dgm:prSet presAssocID="{5B956B75-68AF-4966-8009-07406BD1D72D}" presName="compNode" presStyleCnt="0"/>
@@ -3474,13 +3221,6 @@
           </a:schemeClr>
         </a:solidFill>
       </dgm:spPr>
-      <dgm:t>
-        <a:bodyPr/>
-        <a:lstStyle/>
-        <a:p>
-          <a:endParaRPr lang="en-US"/>
-        </a:p>
-      </dgm:t>
     </dgm:pt>
     <dgm:pt modelId="{E1C45597-9CEF-429A-801D-7F55CACEF332}" type="pres">
       <dgm:prSet presAssocID="{5B956B75-68AF-4966-8009-07406BD1D72D}" presName="iconRect" presStyleLbl="node1" presStyleIdx="8" presStyleCnt="9"/>
@@ -3499,14 +3239,6 @@
           </a:stretch>
         </a:blipFill>
       </dgm:spPr>
-      <dgm:t>
-        <a:bodyPr/>
-        <a:lstStyle/>
-        <a:p>
-          <a:endParaRPr lang="en-US"/>
-        </a:p>
-      </dgm:t>
-      <dgm:extLst/>
     </dgm:pt>
     <dgm:pt modelId="{5FC721C2-C0D6-488E-83EC-855751354D30}" type="pres">
       <dgm:prSet presAssocID="{5B956B75-68AF-4966-8009-07406BD1D72D}" presName="spaceRect" presStyleCnt="0"/>
@@ -3520,43 +3252,36 @@
         </dgm:presLayoutVars>
       </dgm:prSet>
       <dgm:spPr/>
-      <dgm:t>
-        <a:bodyPr/>
-        <a:lstStyle/>
-        <a:p>
-          <a:endParaRPr lang="en-US"/>
-        </a:p>
-      </dgm:t>
     </dgm:pt>
   </dgm:ptLst>
   <dgm:cxnLst>
+    <dgm:cxn modelId="{EF6B6103-396F-4E9D-9B12-CAAF12E899AE}" type="presOf" srcId="{F393FB9F-A6B1-404C-9B0B-6585C01C9946}" destId="{5939719D-EE03-476E-A05B-908671AC955F}" srcOrd="0" destOrd="0" presId="urn:microsoft.com/office/officeart/2018/2/layout/IconCircleList"/>
+    <dgm:cxn modelId="{5BC2140C-60D0-430B-AB84-9668EC4FFEE2}" type="presOf" srcId="{5220BCAE-C942-46F0-B0A9-76AF23B54182}" destId="{E2DE16EE-17C7-4CD3-A9AC-4519C3D4128D}" srcOrd="0" destOrd="0" presId="urn:microsoft.com/office/officeart/2018/2/layout/IconCircleList"/>
+    <dgm:cxn modelId="{E250F810-9433-42AD-8B12-CFDD0F899454}" type="presOf" srcId="{4AF2157F-44DC-4C43-A5A4-94D8C630AF58}" destId="{0E4142AF-BAAF-4976-B2CA-FB9619B9623C}" srcOrd="0" destOrd="0" presId="urn:microsoft.com/office/officeart/2018/2/layout/IconCircleList"/>
     <dgm:cxn modelId="{209CC11D-1CB0-460E-9A76-D6099F889951}" type="presOf" srcId="{CCB73373-16E4-4D8C-B645-78EF90DD33B0}" destId="{369DB99F-FD6C-4207-9E57-FBDFD7D57E7E}" srcOrd="0" destOrd="0" presId="urn:microsoft.com/office/officeart/2018/2/layout/IconCircleList"/>
+    <dgm:cxn modelId="{34943D3C-743D-45D4-9C97-1AEC3157A141}" type="presOf" srcId="{3AEBBB58-B856-4FC9-A41B-967E845F0ABE}" destId="{5C8D9EB2-3DF4-4DC6-9EF0-2B4CFCFA5674}" srcOrd="0" destOrd="0" presId="urn:microsoft.com/office/officeart/2018/2/layout/IconCircleList"/>
+    <dgm:cxn modelId="{B0C27C6D-570C-4D0B-BD2B-07400AD594D1}" type="presOf" srcId="{4F22D563-E6DE-4875-8352-309A53DB7E87}" destId="{2D473E27-9B2B-48B4-BB2B-370499B91AEE}" srcOrd="0" destOrd="0" presId="urn:microsoft.com/office/officeart/2018/2/layout/IconCircleList"/>
+    <dgm:cxn modelId="{63CA0B7E-CAC5-4585-8033-7CC3726E4703}" type="presOf" srcId="{208A73ED-1007-4EF2-A686-50F6DD044720}" destId="{E8F8440B-0B28-45A8-9D77-9FA74AB19E17}" srcOrd="0" destOrd="0" presId="urn:microsoft.com/office/officeart/2018/2/layout/IconCircleList"/>
+    <dgm:cxn modelId="{48E0037F-6820-44F1-8612-E82959B39341}" type="presOf" srcId="{A71F4D0A-FA1F-40B9-A426-739A664D7756}" destId="{22D44111-EC09-4217-8ED0-7D78382312C9}" srcOrd="0" destOrd="0" presId="urn:microsoft.com/office/officeart/2018/2/layout/IconCircleList"/>
     <dgm:cxn modelId="{F4985888-C263-4AD8-B3E8-8E5D6FC3C769}" srcId="{208A73ED-1007-4EF2-A686-50F6DD044720}" destId="{04E967BD-AA08-4FFA-A896-CDB1CC3CFBF0}" srcOrd="3" destOrd="0" parTransId="{71434EBD-40CF-4447-B98F-5E9867B2386A}" sibTransId="{F393FB9F-A6B1-404C-9B0B-6585C01C9946}"/>
+    <dgm:cxn modelId="{84A5F18C-0703-4A59-8FBB-F6B40EB27E89}" srcId="{208A73ED-1007-4EF2-A686-50F6DD044720}" destId="{4F22D563-E6DE-4875-8352-309A53DB7E87}" srcOrd="4" destOrd="0" parTransId="{248BE891-ECD9-4BBE-8C3F-33870B815192}" sibTransId="{85C22642-F219-4BDB-8787-82B56AC672A1}"/>
+    <dgm:cxn modelId="{0AFBBA8F-8D6F-439E-B2D8-6CFA73FFC3AE}" type="presOf" srcId="{6B51DD05-BFBB-4BF2-A876-F68CD94C1932}" destId="{3964FEDC-D75D-4387-8CBD-A29FE6327166}" srcOrd="0" destOrd="0" presId="urn:microsoft.com/office/officeart/2018/2/layout/IconCircleList"/>
+    <dgm:cxn modelId="{52D64495-41C8-485A-8B55-9CEE89D9B781}" srcId="{208A73ED-1007-4EF2-A686-50F6DD044720}" destId="{3AEBBB58-B856-4FC9-A41B-967E845F0ABE}" srcOrd="2" destOrd="0" parTransId="{9A12BFA7-9D36-4EC0-83EE-5F8E0EDB3A1E}" sibTransId="{6B51DD05-BFBB-4BF2-A876-F68CD94C1932}"/>
+    <dgm:cxn modelId="{DEBA9A9D-B0E6-45F9-9B0C-10407CA040AA}" type="presOf" srcId="{E4F4608B-B175-4C4F-9604-02911045B067}" destId="{181D982F-8720-4074-85CE-721ABA4A791F}" srcOrd="0" destOrd="0" presId="urn:microsoft.com/office/officeart/2018/2/layout/IconCircleList"/>
+    <dgm:cxn modelId="{6B1F0DA8-817F-46BC-A624-AE194DF2A470}" srcId="{208A73ED-1007-4EF2-A686-50F6DD044720}" destId="{5B956B75-68AF-4966-8009-07406BD1D72D}" srcOrd="8" destOrd="0" parTransId="{C0C828D2-0BF9-4DFC-916E-D7ABBCCE38B0}" sibTransId="{7B99D264-C9AA-4217-873D-71F46BC8D3EF}"/>
+    <dgm:cxn modelId="{8DC1C7A9-A6E0-497C-9120-111308350128}" type="presOf" srcId="{5B956B75-68AF-4966-8009-07406BD1D72D}" destId="{040505F7-FF37-4300-85C8-7C42C106DB8C}" srcOrd="0" destOrd="0" presId="urn:microsoft.com/office/officeart/2018/2/layout/IconCircleList"/>
+    <dgm:cxn modelId="{147C0BAC-51A4-4D12-8D49-12293B4C12FF}" type="presOf" srcId="{04E967BD-AA08-4FFA-A896-CDB1CC3CFBF0}" destId="{912889D5-DB90-4CFA-82E6-F2D23E12304C}" srcOrd="0" destOrd="0" presId="urn:microsoft.com/office/officeart/2018/2/layout/IconCircleList"/>
+    <dgm:cxn modelId="{1D6937AE-2D13-40C4-80A2-5A216FEFB90D}" type="presOf" srcId="{0C822E68-278C-472C-B9DF-119BA5E6F9FF}" destId="{941CA88C-6C60-4EAC-BDF1-5F2BA0691E22}" srcOrd="0" destOrd="0" presId="urn:microsoft.com/office/officeart/2018/2/layout/IconCircleList"/>
+    <dgm:cxn modelId="{E5184DAE-36F4-4F8F-8F8D-3B857E2FDB18}" srcId="{208A73ED-1007-4EF2-A686-50F6DD044720}" destId="{C7BAD463-EE3E-4B2A-926B-EC735C5DD0E1}" srcOrd="7" destOrd="0" parTransId="{4E8C956C-685C-4437-B709-F223686131FE}" sibTransId="{175464FE-3999-4A81-85AF-DC38656BDA40}"/>
+    <dgm:cxn modelId="{1CC6E4AF-50B5-4E8D-AC10-EDD2E69AC2F1}" srcId="{208A73ED-1007-4EF2-A686-50F6DD044720}" destId="{0E0F8657-3534-4275-BCBA-15E13E3DF429}" srcOrd="6" destOrd="0" parTransId="{1FBB25E1-23EC-4E5F-92E6-A585663F04AE}" sibTransId="{E4F4608B-B175-4C4F-9604-02911045B067}"/>
+    <dgm:cxn modelId="{E90198B3-B2F2-4318-8475-213CF83B62BB}" type="presOf" srcId="{0E0F8657-3534-4275-BCBA-15E13E3DF429}" destId="{F4C790E2-F9A3-428A-85C1-1B5ACDBCEFDE}" srcOrd="0" destOrd="0" presId="urn:microsoft.com/office/officeart/2018/2/layout/IconCircleList"/>
+    <dgm:cxn modelId="{9AC3F4B6-EDFC-4FC7-8340-3977E55CA601}" srcId="{208A73ED-1007-4EF2-A686-50F6DD044720}" destId="{A71F4D0A-FA1F-40B9-A426-739A664D7756}" srcOrd="0" destOrd="0" parTransId="{CFD54541-3DF6-46F6-AC17-6CDE4D993862}" sibTransId="{4AF2157F-44DC-4C43-A5A4-94D8C630AF58}"/>
+    <dgm:cxn modelId="{88E88CB8-AD03-4AB4-9B7F-0AC0B766A890}" type="presOf" srcId="{175464FE-3999-4A81-85AF-DC38656BDA40}" destId="{13C82408-AF6A-4F50-8F79-A96D929D9F8E}" srcOrd="0" destOrd="0" presId="urn:microsoft.com/office/officeart/2018/2/layout/IconCircleList"/>
+    <dgm:cxn modelId="{47C6ACBC-6DF9-4C50-A23E-DE3D582030DE}" type="presOf" srcId="{85C22642-F219-4BDB-8787-82B56AC672A1}" destId="{5E0A6B75-6A37-4C72-BAAF-0F6732A6112A}" srcOrd="0" destOrd="0" presId="urn:microsoft.com/office/officeart/2018/2/layout/IconCircleList"/>
+    <dgm:cxn modelId="{58DAB9BE-8107-439F-9E0E-FEFDC56D352A}" type="presOf" srcId="{C7BAD463-EE3E-4B2A-926B-EC735C5DD0E1}" destId="{3EC9AAD8-91E9-481C-826A-47CC84CA9E4E}" srcOrd="0" destOrd="0" presId="urn:microsoft.com/office/officeart/2018/2/layout/IconCircleList"/>
+    <dgm:cxn modelId="{4632BBC7-9BFA-4FB9-ADCD-EB0948CBD4F3}" type="presOf" srcId="{427338C8-364D-43F9-A4FA-B873713933E2}" destId="{48A7DFA6-9BA7-45DC-BA3B-DECE0097D026}" srcOrd="0" destOrd="0" presId="urn:microsoft.com/office/officeart/2018/2/layout/IconCircleList"/>
+    <dgm:cxn modelId="{DAF830F0-36A6-4ABC-BCAF-34B901691566}" srcId="{208A73ED-1007-4EF2-A686-50F6DD044720}" destId="{0C822E68-278C-472C-B9DF-119BA5E6F9FF}" srcOrd="1" destOrd="0" parTransId="{3E298607-073C-4214-A2BB-0AE10DE9AB85}" sibTransId="{5220BCAE-C942-46F0-B0A9-76AF23B54182}"/>
     <dgm:cxn modelId="{C7C4CBFE-8A52-47D5-A869-F29CD919BD80}" srcId="{208A73ED-1007-4EF2-A686-50F6DD044720}" destId="{CCB73373-16E4-4D8C-B645-78EF90DD33B0}" srcOrd="5" destOrd="0" parTransId="{56222E75-AE2F-4DF5-906E-6C5AB1ECD59C}" sibTransId="{427338C8-364D-43F9-A4FA-B873713933E2}"/>
-    <dgm:cxn modelId="{1D6937AE-2D13-40C4-80A2-5A216FEFB90D}" type="presOf" srcId="{0C822E68-278C-472C-B9DF-119BA5E6F9FF}" destId="{941CA88C-6C60-4EAC-BDF1-5F2BA0691E22}" srcOrd="0" destOrd="0" presId="urn:microsoft.com/office/officeart/2018/2/layout/IconCircleList"/>
-    <dgm:cxn modelId="{DAF830F0-36A6-4ABC-BCAF-34B901691566}" srcId="{208A73ED-1007-4EF2-A686-50F6DD044720}" destId="{0C822E68-278C-472C-B9DF-119BA5E6F9FF}" srcOrd="1" destOrd="0" parTransId="{3E298607-073C-4214-A2BB-0AE10DE9AB85}" sibTransId="{5220BCAE-C942-46F0-B0A9-76AF23B54182}"/>
-    <dgm:cxn modelId="{E250F810-9433-42AD-8B12-CFDD0F899454}" type="presOf" srcId="{4AF2157F-44DC-4C43-A5A4-94D8C630AF58}" destId="{0E4142AF-BAAF-4976-B2CA-FB9619B9623C}" srcOrd="0" destOrd="0" presId="urn:microsoft.com/office/officeart/2018/2/layout/IconCircleList"/>
-    <dgm:cxn modelId="{88E88CB8-AD03-4AB4-9B7F-0AC0B766A890}" type="presOf" srcId="{175464FE-3999-4A81-85AF-DC38656BDA40}" destId="{13C82408-AF6A-4F50-8F79-A96D929D9F8E}" srcOrd="0" destOrd="0" presId="urn:microsoft.com/office/officeart/2018/2/layout/IconCircleList"/>
-    <dgm:cxn modelId="{B0C27C6D-570C-4D0B-BD2B-07400AD594D1}" type="presOf" srcId="{4F22D563-E6DE-4875-8352-309A53DB7E87}" destId="{2D473E27-9B2B-48B4-BB2B-370499B91AEE}" srcOrd="0" destOrd="0" presId="urn:microsoft.com/office/officeart/2018/2/layout/IconCircleList"/>
-    <dgm:cxn modelId="{4632BBC7-9BFA-4FB9-ADCD-EB0948CBD4F3}" type="presOf" srcId="{427338C8-364D-43F9-A4FA-B873713933E2}" destId="{48A7DFA6-9BA7-45DC-BA3B-DECE0097D026}" srcOrd="0" destOrd="0" presId="urn:microsoft.com/office/officeart/2018/2/layout/IconCircleList"/>
-    <dgm:cxn modelId="{84A5F18C-0703-4A59-8FBB-F6B40EB27E89}" srcId="{208A73ED-1007-4EF2-A686-50F6DD044720}" destId="{4F22D563-E6DE-4875-8352-309A53DB7E87}" srcOrd="4" destOrd="0" parTransId="{248BE891-ECD9-4BBE-8C3F-33870B815192}" sibTransId="{85C22642-F219-4BDB-8787-82B56AC672A1}"/>
-    <dgm:cxn modelId="{63CA0B7E-CAC5-4585-8033-7CC3726E4703}" type="presOf" srcId="{208A73ED-1007-4EF2-A686-50F6DD044720}" destId="{E8F8440B-0B28-45A8-9D77-9FA74AB19E17}" srcOrd="0" destOrd="0" presId="urn:microsoft.com/office/officeart/2018/2/layout/IconCircleList"/>
-    <dgm:cxn modelId="{EF6B6103-396F-4E9D-9B12-CAAF12E899AE}" type="presOf" srcId="{F393FB9F-A6B1-404C-9B0B-6585C01C9946}" destId="{5939719D-EE03-476E-A05B-908671AC955F}" srcOrd="0" destOrd="0" presId="urn:microsoft.com/office/officeart/2018/2/layout/IconCircleList"/>
-    <dgm:cxn modelId="{147C0BAC-51A4-4D12-8D49-12293B4C12FF}" type="presOf" srcId="{04E967BD-AA08-4FFA-A896-CDB1CC3CFBF0}" destId="{912889D5-DB90-4CFA-82E6-F2D23E12304C}" srcOrd="0" destOrd="0" presId="urn:microsoft.com/office/officeart/2018/2/layout/IconCircleList"/>
-    <dgm:cxn modelId="{0AFBBA8F-8D6F-439E-B2D8-6CFA73FFC3AE}" type="presOf" srcId="{6B51DD05-BFBB-4BF2-A876-F68CD94C1932}" destId="{3964FEDC-D75D-4387-8CBD-A29FE6327166}" srcOrd="0" destOrd="0" presId="urn:microsoft.com/office/officeart/2018/2/layout/IconCircleList"/>
-    <dgm:cxn modelId="{8DC1C7A9-A6E0-497C-9120-111308350128}" type="presOf" srcId="{5B956B75-68AF-4966-8009-07406BD1D72D}" destId="{040505F7-FF37-4300-85C8-7C42C106DB8C}" srcOrd="0" destOrd="0" presId="urn:microsoft.com/office/officeart/2018/2/layout/IconCircleList"/>
-    <dgm:cxn modelId="{58DAB9BE-8107-439F-9E0E-FEFDC56D352A}" type="presOf" srcId="{C7BAD463-EE3E-4B2A-926B-EC735C5DD0E1}" destId="{3EC9AAD8-91E9-481C-826A-47CC84CA9E4E}" srcOrd="0" destOrd="0" presId="urn:microsoft.com/office/officeart/2018/2/layout/IconCircleList"/>
-    <dgm:cxn modelId="{9AC3F4B6-EDFC-4FC7-8340-3977E55CA601}" srcId="{208A73ED-1007-4EF2-A686-50F6DD044720}" destId="{A71F4D0A-FA1F-40B9-A426-739A664D7756}" srcOrd="0" destOrd="0" parTransId="{CFD54541-3DF6-46F6-AC17-6CDE4D993862}" sibTransId="{4AF2157F-44DC-4C43-A5A4-94D8C630AF58}"/>
-    <dgm:cxn modelId="{DEBA9A9D-B0E6-45F9-9B0C-10407CA040AA}" type="presOf" srcId="{E4F4608B-B175-4C4F-9604-02911045B067}" destId="{181D982F-8720-4074-85CE-721ABA4A791F}" srcOrd="0" destOrd="0" presId="urn:microsoft.com/office/officeart/2018/2/layout/IconCircleList"/>
-    <dgm:cxn modelId="{E90198B3-B2F2-4318-8475-213CF83B62BB}" type="presOf" srcId="{0E0F8657-3534-4275-BCBA-15E13E3DF429}" destId="{F4C790E2-F9A3-428A-85C1-1B5ACDBCEFDE}" srcOrd="0" destOrd="0" presId="urn:microsoft.com/office/officeart/2018/2/layout/IconCircleList"/>
-    <dgm:cxn modelId="{5BC2140C-60D0-430B-AB84-9668EC4FFEE2}" type="presOf" srcId="{5220BCAE-C942-46F0-B0A9-76AF23B54182}" destId="{E2DE16EE-17C7-4CD3-A9AC-4519C3D4128D}" srcOrd="0" destOrd="0" presId="urn:microsoft.com/office/officeart/2018/2/layout/IconCircleList"/>
-    <dgm:cxn modelId="{E5184DAE-36F4-4F8F-8F8D-3B857E2FDB18}" srcId="{208A73ED-1007-4EF2-A686-50F6DD044720}" destId="{C7BAD463-EE3E-4B2A-926B-EC735C5DD0E1}" srcOrd="7" destOrd="0" parTransId="{4E8C956C-685C-4437-B709-F223686131FE}" sibTransId="{175464FE-3999-4A81-85AF-DC38656BDA40}"/>
-    <dgm:cxn modelId="{47C6ACBC-6DF9-4C50-A23E-DE3D582030DE}" type="presOf" srcId="{85C22642-F219-4BDB-8787-82B56AC672A1}" destId="{5E0A6B75-6A37-4C72-BAAF-0F6732A6112A}" srcOrd="0" destOrd="0" presId="urn:microsoft.com/office/officeart/2018/2/layout/IconCircleList"/>
-    <dgm:cxn modelId="{6B1F0DA8-817F-46BC-A624-AE194DF2A470}" srcId="{208A73ED-1007-4EF2-A686-50F6DD044720}" destId="{5B956B75-68AF-4966-8009-07406BD1D72D}" srcOrd="8" destOrd="0" parTransId="{C0C828D2-0BF9-4DFC-916E-D7ABBCCE38B0}" sibTransId="{7B99D264-C9AA-4217-873D-71F46BC8D3EF}"/>
-    <dgm:cxn modelId="{52D64495-41C8-485A-8B55-9CEE89D9B781}" srcId="{208A73ED-1007-4EF2-A686-50F6DD044720}" destId="{3AEBBB58-B856-4FC9-A41B-967E845F0ABE}" srcOrd="2" destOrd="0" parTransId="{9A12BFA7-9D36-4EC0-83EE-5F8E0EDB3A1E}" sibTransId="{6B51DD05-BFBB-4BF2-A876-F68CD94C1932}"/>
-    <dgm:cxn modelId="{34943D3C-743D-45D4-9C97-1AEC3157A141}" type="presOf" srcId="{3AEBBB58-B856-4FC9-A41B-967E845F0ABE}" destId="{5C8D9EB2-3DF4-4DC6-9EF0-2B4CFCFA5674}" srcOrd="0" destOrd="0" presId="urn:microsoft.com/office/officeart/2018/2/layout/IconCircleList"/>
-    <dgm:cxn modelId="{48E0037F-6820-44F1-8612-E82959B39341}" type="presOf" srcId="{A71F4D0A-FA1F-40B9-A426-739A664D7756}" destId="{22D44111-EC09-4217-8ED0-7D78382312C9}" srcOrd="0" destOrd="0" presId="urn:microsoft.com/office/officeart/2018/2/layout/IconCircleList"/>
-    <dgm:cxn modelId="{1CC6E4AF-50B5-4E8D-AC10-EDD2E69AC2F1}" srcId="{208A73ED-1007-4EF2-A686-50F6DD044720}" destId="{0E0F8657-3534-4275-BCBA-15E13E3DF429}" srcOrd="6" destOrd="0" parTransId="{1FBB25E1-23EC-4E5F-92E6-A585663F04AE}" sibTransId="{E4F4608B-B175-4C4F-9604-02911045B067}"/>
     <dgm:cxn modelId="{08E4CFD6-362E-4F83-9C9A-D5813744E407}" type="presParOf" srcId="{E8F8440B-0B28-45A8-9D77-9FA74AB19E17}" destId="{21182D75-CCA2-4743-8D93-BBFABFA8973C}" srcOrd="0" destOrd="0" presId="urn:microsoft.com/office/officeart/2018/2/layout/IconCircleList"/>
     <dgm:cxn modelId="{61EC293C-1A54-4939-945C-561CF8B8970B}" type="presParOf" srcId="{21182D75-CCA2-4743-8D93-BBFABFA8973C}" destId="{4834E7C0-F3C0-4976-8DEE-FB194B56A3BE}" srcOrd="0" destOrd="0" presId="urn:microsoft.com/office/officeart/2018/2/layout/IconCircleList"/>
     <dgm:cxn modelId="{677C972A-667A-46CC-9CAF-B79AD83C7715}" type="presParOf" srcId="{4834E7C0-F3C0-4976-8DEE-FB194B56A3BE}" destId="{4587C62C-0E63-40F7-8707-98731AE41AF2}" srcOrd="0" destOrd="0" presId="urn:microsoft.com/office/officeart/2018/2/layout/IconCircleList"/>
@@ -3649,7 +3374,7 @@
             </a:lnSpc>
           </a:pPr>
           <a:r>
-            <a:rPr lang="en-US" sz="4000" b="1" dirty="0" smtClean="0">
+            <a:rPr lang="en-US" sz="4000" b="1" dirty="0">
               <a:latin typeface="Times New Roman" panose="02020603050405020304" pitchFamily="18" charset="0"/>
               <a:ea typeface="+mn-ea"/>
               <a:cs typeface="Times New Roman" panose="02020603050405020304" pitchFamily="18" charset="0"/>
@@ -3705,7 +3430,7 @@
             <a:buNone/>
           </a:pPr>
           <a:r>
-            <a:rPr lang="en-US" sz="4000" b="1" kern="1200" dirty="0" smtClean="0">
+            <a:rPr lang="en-US" sz="4000" b="1" kern="1200" dirty="0">
               <a:latin typeface="Times New Roman" panose="02020603050405020304" pitchFamily="18" charset="0"/>
               <a:cs typeface="Times New Roman" panose="02020603050405020304" pitchFamily="18" charset="0"/>
             </a:rPr>
@@ -3761,18 +3486,13 @@
             <a:buNone/>
           </a:pPr>
           <a:r>
-            <a:rPr lang="en-US" sz="4000" b="1" kern="1200" dirty="0" smtClean="0">
+            <a:rPr lang="en-US" sz="4000" b="1" kern="1200" dirty="0">
               <a:latin typeface="Times New Roman" panose="02020603050405020304" pitchFamily="18" charset="0"/>
               <a:ea typeface="+mn-ea"/>
               <a:cs typeface="Times New Roman" panose="02020603050405020304" pitchFamily="18" charset="0"/>
             </a:rPr>
             <a:t>Diagram</a:t>
           </a:r>
-          <a:endParaRPr lang="en-US" sz="4000" b="1" kern="1200" dirty="0">
-            <a:latin typeface="Times New Roman" panose="02020603050405020304" pitchFamily="18" charset="0"/>
-            <a:ea typeface="+mn-ea"/>
-            <a:cs typeface="Times New Roman" panose="02020603050405020304" pitchFamily="18" charset="0"/>
-          </a:endParaRPr>
         </a:p>
       </dgm:t>
     </dgm:pt>
@@ -3811,7 +3531,7 @@
             </a:lnSpc>
           </a:pPr>
           <a:r>
-            <a:rPr lang="en-US" sz="4000" b="1" kern="1200" smtClean="0">
+            <a:rPr lang="en-US" sz="4000" b="1" kern="1200">
               <a:latin typeface="Times New Roman" panose="02020603050405020304" pitchFamily="18" charset="0"/>
               <a:ea typeface="+mn-ea"/>
               <a:cs typeface="Times New Roman" panose="02020603050405020304" pitchFamily="18" charset="0"/>
@@ -3858,13 +3578,6 @@
         </dgm:presLayoutVars>
       </dgm:prSet>
       <dgm:spPr/>
-      <dgm:t>
-        <a:bodyPr/>
-        <a:lstStyle/>
-        <a:p>
-          <a:endParaRPr lang="en-US"/>
-        </a:p>
-      </dgm:t>
     </dgm:pt>
     <dgm:pt modelId="{7A1E8D32-1AD5-46A0-94C9-5F191EBC028F}" type="pres">
       <dgm:prSet presAssocID="{AFDA2B88-382C-4AF1-91DF-416DD4262E08}" presName="composite" presStyleCnt="0"/>
@@ -3883,13 +3596,6 @@
         </dgm:presLayoutVars>
       </dgm:prSet>
       <dgm:spPr/>
-      <dgm:t>
-        <a:bodyPr/>
-        <a:lstStyle/>
-        <a:p>
-          <a:endParaRPr lang="en-US"/>
-        </a:p>
-      </dgm:t>
     </dgm:pt>
     <dgm:pt modelId="{9F059AAD-44E7-4F4D-95F8-5F102DE2F0BB}" type="pres">
       <dgm:prSet presAssocID="{AFDA2B88-382C-4AF1-91DF-416DD4262E08}" presName="Triangle" presStyleLbl="alignNode1" presStyleIdx="1" presStyleCnt="7"/>
@@ -3920,13 +3626,6 @@
         </dgm:presLayoutVars>
       </dgm:prSet>
       <dgm:spPr/>
-      <dgm:t>
-        <a:bodyPr/>
-        <a:lstStyle/>
-        <a:p>
-          <a:endParaRPr lang="en-US"/>
-        </a:p>
-      </dgm:t>
     </dgm:pt>
     <dgm:pt modelId="{82E9B7FD-8B6D-4155-B97C-F5CC10AE9F18}" type="pres">
       <dgm:prSet presAssocID="{6630808A-D055-4438-8749-9885C0AB4BAE}" presName="Triangle" presStyleLbl="alignNode1" presStyleIdx="3" presStyleCnt="7"/>
@@ -3957,13 +3656,6 @@
         </dgm:presLayoutVars>
       </dgm:prSet>
       <dgm:spPr/>
-      <dgm:t>
-        <a:bodyPr/>
-        <a:lstStyle/>
-        <a:p>
-          <a:endParaRPr lang="en-US"/>
-        </a:p>
-      </dgm:t>
     </dgm:pt>
     <dgm:pt modelId="{10B5792A-3471-4A5E-BBBB-44A62CF662D5}" type="pres">
       <dgm:prSet presAssocID="{1B36C74F-4553-46A6-8D62-72EAC4950A8A}" presName="Triangle" presStyleLbl="alignNode1" presStyleIdx="5" presStyleCnt="7"/>
@@ -3994,25 +3686,18 @@
         </dgm:presLayoutVars>
       </dgm:prSet>
       <dgm:spPr/>
-      <dgm:t>
-        <a:bodyPr/>
-        <a:lstStyle/>
-        <a:p>
-          <a:endParaRPr lang="en-US"/>
-        </a:p>
-      </dgm:t>
     </dgm:pt>
   </dgm:ptLst>
   <dgm:cxnLst>
-    <dgm:cxn modelId="{42B22E52-A126-4850-8093-A6529B4A5DC3}" type="presOf" srcId="{AFDA2B88-382C-4AF1-91DF-416DD4262E08}" destId="{EB9F83E0-93CC-4AD9-9225-5F685027468E}" srcOrd="0" destOrd="0" presId="urn:microsoft.com/office/officeart/2009/3/layout/StepUpProcess"/>
-    <dgm:cxn modelId="{1646BC6A-F94C-4828-AE9A-EB5E84FED6F4}" srcId="{B1AB2252-E866-46A0-84C4-61996CDA11E8}" destId="{83AB019F-D316-4DF2-AFF6-5D6974BFDF01}" srcOrd="3" destOrd="0" parTransId="{42201116-A15A-4DB8-B6C7-97A72837C64E}" sibTransId="{12833BB3-C489-4765-942C-0EFF3C2897C5}"/>
-    <dgm:cxn modelId="{C1F8D859-C807-4AA1-9C5A-15745CA7B940}" srcId="{B1AB2252-E866-46A0-84C4-61996CDA11E8}" destId="{1B36C74F-4553-46A6-8D62-72EAC4950A8A}" srcOrd="2" destOrd="0" parTransId="{030E49A7-E2DE-4D99-99CE-0D41A4C4EE6E}" sibTransId="{1A27FEB4-EBEA-4FC0-9EFE-058DE5333104}"/>
     <dgm:cxn modelId="{00E1DA11-FAFE-4C23-987F-DAB736863B38}" srcId="{B1AB2252-E866-46A0-84C4-61996CDA11E8}" destId="{AFDA2B88-382C-4AF1-91DF-416DD4262E08}" srcOrd="0" destOrd="0" parTransId="{A4876CAE-3C16-4DC6-8EC5-319C0C153190}" sibTransId="{5F9C8A15-7FFA-40DD-A9DE-F73665DD44E7}"/>
     <dgm:cxn modelId="{DEB8BB34-F1CF-485D-8ADC-9FEB5F0E9D4A}" type="presOf" srcId="{6630808A-D055-4438-8749-9885C0AB4BAE}" destId="{39355247-22DE-4B40-8367-6588A067E991}" srcOrd="0" destOrd="0" presId="urn:microsoft.com/office/officeart/2009/3/layout/StepUpProcess"/>
+    <dgm:cxn modelId="{1646BC6A-F94C-4828-AE9A-EB5E84FED6F4}" srcId="{B1AB2252-E866-46A0-84C4-61996CDA11E8}" destId="{83AB019F-D316-4DF2-AFF6-5D6974BFDF01}" srcOrd="3" destOrd="0" parTransId="{42201116-A15A-4DB8-B6C7-97A72837C64E}" sibTransId="{12833BB3-C489-4765-942C-0EFF3C2897C5}"/>
+    <dgm:cxn modelId="{A1BFD74B-7C82-4A65-AFDD-E48D07F99556}" type="presOf" srcId="{B1AB2252-E866-46A0-84C4-61996CDA11E8}" destId="{F25263DF-C38C-4E51-B36E-98A695CBAEB3}" srcOrd="0" destOrd="0" presId="urn:microsoft.com/office/officeart/2009/3/layout/StepUpProcess"/>
+    <dgm:cxn modelId="{42B22E52-A126-4850-8093-A6529B4A5DC3}" type="presOf" srcId="{AFDA2B88-382C-4AF1-91DF-416DD4262E08}" destId="{EB9F83E0-93CC-4AD9-9225-5F685027468E}" srcOrd="0" destOrd="0" presId="urn:microsoft.com/office/officeart/2009/3/layout/StepUpProcess"/>
+    <dgm:cxn modelId="{C1F8D859-C807-4AA1-9C5A-15745CA7B940}" srcId="{B1AB2252-E866-46A0-84C4-61996CDA11E8}" destId="{1B36C74F-4553-46A6-8D62-72EAC4950A8A}" srcOrd="2" destOrd="0" parTransId="{030E49A7-E2DE-4D99-99CE-0D41A4C4EE6E}" sibTransId="{1A27FEB4-EBEA-4FC0-9EFE-058DE5333104}"/>
     <dgm:cxn modelId="{0DDE2D8D-BC38-4E5D-B3D2-83FDFE099152}" type="presOf" srcId="{1B36C74F-4553-46A6-8D62-72EAC4950A8A}" destId="{0FE80ED0-2BCB-4FF4-883D-DE834D1B5F4E}" srcOrd="0" destOrd="0" presId="urn:microsoft.com/office/officeart/2009/3/layout/StepUpProcess"/>
-    <dgm:cxn modelId="{A1BFD74B-7C82-4A65-AFDD-E48D07F99556}" type="presOf" srcId="{B1AB2252-E866-46A0-84C4-61996CDA11E8}" destId="{F25263DF-C38C-4E51-B36E-98A695CBAEB3}" srcOrd="0" destOrd="0" presId="urn:microsoft.com/office/officeart/2009/3/layout/StepUpProcess"/>
+    <dgm:cxn modelId="{A92611C8-0CDF-4457-B0AC-2713987FC85B}" srcId="{B1AB2252-E866-46A0-84C4-61996CDA11E8}" destId="{6630808A-D055-4438-8749-9885C0AB4BAE}" srcOrd="1" destOrd="0" parTransId="{51880FBD-09DF-49B2-A799-C6A972132DFA}" sibTransId="{9BB12029-3EF5-4043-BB13-166FB66D64EC}"/>
     <dgm:cxn modelId="{03131ED6-3BD2-4359-A2EF-5AD74613E9BE}" type="presOf" srcId="{83AB019F-D316-4DF2-AFF6-5D6974BFDF01}" destId="{EFC8044A-F070-4EA9-80D6-3CA36B5A710C}" srcOrd="0" destOrd="0" presId="urn:microsoft.com/office/officeart/2009/3/layout/StepUpProcess"/>
-    <dgm:cxn modelId="{A92611C8-0CDF-4457-B0AC-2713987FC85B}" srcId="{B1AB2252-E866-46A0-84C4-61996CDA11E8}" destId="{6630808A-D055-4438-8749-9885C0AB4BAE}" srcOrd="1" destOrd="0" parTransId="{51880FBD-09DF-49B2-A799-C6A972132DFA}" sibTransId="{9BB12029-3EF5-4043-BB13-166FB66D64EC}"/>
     <dgm:cxn modelId="{AFA38160-27B5-4EFE-98AE-8725475265EC}" type="presParOf" srcId="{F25263DF-C38C-4E51-B36E-98A695CBAEB3}" destId="{7A1E8D32-1AD5-46A0-94C9-5F191EBC028F}" srcOrd="0" destOrd="0" presId="urn:microsoft.com/office/officeart/2009/3/layout/StepUpProcess"/>
     <dgm:cxn modelId="{08779B10-0FE5-4B08-AE25-ED134AB14679}" type="presParOf" srcId="{7A1E8D32-1AD5-46A0-94C9-5F191EBC028F}" destId="{AA58A2DD-B6F0-439F-9683-360FD0A4DE36}" srcOrd="0" destOrd="0" presId="urn:microsoft.com/office/officeart/2009/3/layout/StepUpProcess"/>
     <dgm:cxn modelId="{E1A5A0BB-A881-4498-90AE-3A5903EC5212}" type="presParOf" srcId="{7A1E8D32-1AD5-46A0-94C9-5F191EBC028F}" destId="{EB9F83E0-93CC-4AD9-9225-5F685027468E}" srcOrd="1" destOrd="0" presId="urn:microsoft.com/office/officeart/2009/3/layout/StepUpProcess"/>
@@ -4060,8 +3745,8 @@
       </dsp:nvSpPr>
       <dsp:spPr>
         <a:xfrm>
-          <a:off x="858706" y="74785"/>
-          <a:ext cx="751834" cy="751834"/>
+          <a:off x="872727" y="17017"/>
+          <a:ext cx="859262" cy="859262"/>
         </a:xfrm>
         <a:prstGeom prst="ellipse">
           <a:avLst/>
@@ -4097,8 +3782,8 @@
       </dsp:nvSpPr>
       <dsp:spPr>
         <a:xfrm>
-          <a:off x="986490" y="218254"/>
-          <a:ext cx="436064" cy="436064"/>
+          <a:off x="1018769" y="180986"/>
+          <a:ext cx="498372" cy="498372"/>
         </a:xfrm>
         <a:prstGeom prst="rect">
           <a:avLst/>
@@ -4152,8 +3837,8 @@
       </dsp:nvSpPr>
       <dsp:spPr>
         <a:xfrm>
-          <a:off x="1771649" y="74785"/>
-          <a:ext cx="1772181" cy="751834"/>
+          <a:off x="1916116" y="17017"/>
+          <a:ext cx="2025403" cy="859262"/>
         </a:xfrm>
         <a:prstGeom prst="rect">
           <a:avLst/>
@@ -4182,7 +3867,7 @@
         </a:bodyPr>
         <a:lstStyle/>
         <a:p>
-          <a:pPr lvl="0" algn="l" defTabSz="622300">
+          <a:pPr marL="0" lvl="0" indent="0" algn="l" defTabSz="622300">
             <a:lnSpc>
               <a:spcPct val="100000"/>
             </a:lnSpc>
@@ -4192,17 +3877,17 @@
             <a:spcAft>
               <a:spcPct val="35000"/>
             </a:spcAft>
+            <a:buNone/>
           </a:pPr>
           <a:r>
-            <a:rPr lang="en-US" sz="1400" b="1" kern="1200" dirty="0" smtClean="0"/>
+            <a:rPr lang="en-US" sz="1400" b="1" kern="1200" dirty="0"/>
             <a:t>Enroll Course</a:t>
           </a:r>
-          <a:endParaRPr lang="en-US" sz="1400" b="1" kern="1200" dirty="0"/>
         </a:p>
       </dsp:txBody>
       <dsp:txXfrm>
-        <a:off x="1771649" y="74785"/>
-        <a:ext cx="1772181" cy="751834"/>
+        <a:off x="1916116" y="17017"/>
+        <a:ext cx="2025403" cy="859262"/>
       </dsp:txXfrm>
     </dsp:sp>
     <dsp:sp modelId="{59FFB12D-8827-4373-8852-BC03E1210C41}">
@@ -4212,8 +3897,8 @@
       </dsp:nvSpPr>
       <dsp:spPr>
         <a:xfrm>
-          <a:off x="3804946" y="48771"/>
-          <a:ext cx="751834" cy="751834"/>
+          <a:off x="4239945" y="0"/>
+          <a:ext cx="859262" cy="859262"/>
         </a:xfrm>
         <a:prstGeom prst="ellipse">
           <a:avLst/>
@@ -4249,8 +3934,8 @@
       </dsp:nvSpPr>
       <dsp:spPr>
         <a:xfrm>
-          <a:off x="3998430" y="195969"/>
-          <a:ext cx="422179" cy="436068"/>
+          <a:off x="4461076" y="155517"/>
+          <a:ext cx="482503" cy="498377"/>
         </a:xfrm>
         <a:prstGeom prst="rect">
           <a:avLst/>
@@ -4304,8 +3989,8 @@
       </dsp:nvSpPr>
       <dsp:spPr>
         <a:xfrm>
-          <a:off x="4765562" y="74785"/>
-          <a:ext cx="1772181" cy="751834"/>
+          <a:off x="5337821" y="17017"/>
+          <a:ext cx="2025403" cy="859262"/>
         </a:xfrm>
         <a:prstGeom prst="rect">
           <a:avLst/>
@@ -4334,7 +4019,7 @@
         </a:bodyPr>
         <a:lstStyle/>
         <a:p>
-          <a:pPr lvl="0" algn="l" defTabSz="622300">
+          <a:pPr marL="0" lvl="0" indent="0" algn="l" defTabSz="622300">
             <a:lnSpc>
               <a:spcPct val="100000"/>
             </a:lnSpc>
@@ -4344,21 +4029,17 @@
             <a:spcAft>
               <a:spcPct val="35000"/>
             </a:spcAft>
+            <a:buNone/>
           </a:pPr>
           <a:r>
             <a:rPr lang="en-US" sz="1400" b="1" kern="1200" dirty="0"/>
-            <a:t>Join as A </a:t>
+            <a:t>Join as A Teacher.</a:t>
           </a:r>
-          <a:r>
-            <a:rPr lang="en-US" sz="1400" b="1" kern="1200" dirty="0" smtClean="0"/>
-            <a:t>Teacher.</a:t>
-          </a:r>
-          <a:endParaRPr lang="en-US" sz="1400" b="1" kern="1200" dirty="0"/>
         </a:p>
       </dsp:txBody>
       <dsp:txXfrm>
-        <a:off x="4765562" y="74785"/>
-        <a:ext cx="1772181" cy="751834"/>
+        <a:off x="5337821" y="17017"/>
+        <a:ext cx="2025403" cy="859262"/>
       </dsp:txXfrm>
     </dsp:sp>
     <dsp:sp modelId="{B3593E19-C587-4F6C-B15A-14D6F4C90C08}">
@@ -4368,8 +4049,8 @@
       </dsp:nvSpPr>
       <dsp:spPr>
         <a:xfrm>
-          <a:off x="6846533" y="74785"/>
-          <a:ext cx="751834" cy="751834"/>
+          <a:off x="7716136" y="17017"/>
+          <a:ext cx="859262" cy="859262"/>
         </a:xfrm>
         <a:prstGeom prst="ellipse">
           <a:avLst/>
@@ -4405,8 +4086,8 @@
       </dsp:nvSpPr>
       <dsp:spPr>
         <a:xfrm>
-          <a:off x="6974316" y="218254"/>
-          <a:ext cx="436064" cy="436064"/>
+          <a:off x="7862178" y="180986"/>
+          <a:ext cx="498372" cy="498372"/>
         </a:xfrm>
         <a:prstGeom prst="rect">
           <a:avLst/>
@@ -4460,8 +4141,8 @@
       </dsp:nvSpPr>
       <dsp:spPr>
         <a:xfrm>
-          <a:off x="7707125" y="247060"/>
-          <a:ext cx="2115417" cy="751834"/>
+          <a:off x="8699695" y="213909"/>
+          <a:ext cx="2417683" cy="859262"/>
         </a:xfrm>
         <a:prstGeom prst="rect">
           <a:avLst/>
@@ -4490,7 +4171,7 @@
         </a:bodyPr>
         <a:lstStyle/>
         <a:p>
-          <a:pPr lvl="0" algn="l" defTabSz="622300">
+          <a:pPr marL="0" lvl="0" indent="0" algn="l" defTabSz="622300">
             <a:lnSpc>
               <a:spcPct val="100000"/>
             </a:lnSpc>
@@ -4500,15 +4181,15 @@
             <a:spcAft>
               <a:spcPct val="35000"/>
             </a:spcAft>
+            <a:buNone/>
           </a:pPr>
           <a:r>
-            <a:rPr lang="en-US" sz="1400" b="1" kern="1200" dirty="0" smtClean="0"/>
+            <a:rPr lang="en-US" sz="1400" b="1" kern="1200" dirty="0"/>
             <a:t>Live Video</a:t>
           </a:r>
-          <a:endParaRPr lang="en-US" sz="1400" b="1" kern="1200" dirty="0"/>
         </a:p>
         <a:p>
-          <a:pPr lvl="0" algn="l" defTabSz="622300">
+          <a:pPr marL="0" lvl="0" indent="0" algn="l" defTabSz="622300">
             <a:lnSpc>
               <a:spcPct val="100000"/>
             </a:lnSpc>
@@ -4518,13 +4199,14 @@
             <a:spcAft>
               <a:spcPct val="35000"/>
             </a:spcAft>
+            <a:buNone/>
           </a:pPr>
           <a:endParaRPr lang="en-US" sz="1400" b="1" kern="1200" dirty="0"/>
         </a:p>
       </dsp:txBody>
       <dsp:txXfrm>
-        <a:off x="7707125" y="247060"/>
-        <a:ext cx="2115417" cy="751834"/>
+        <a:off x="8699695" y="213909"/>
+        <a:ext cx="2417683" cy="859262"/>
       </dsp:txXfrm>
     </dsp:sp>
     <dsp:sp modelId="{6576C082-12E6-4D49-8CCA-36D29D19B27C}">
@@ -4534,8 +4216,8 @@
       </dsp:nvSpPr>
       <dsp:spPr>
         <a:xfrm>
-          <a:off x="858706" y="1446108"/>
-          <a:ext cx="751834" cy="751834"/>
+          <a:off x="872727" y="1549021"/>
+          <a:ext cx="859262" cy="859262"/>
         </a:xfrm>
         <a:prstGeom prst="ellipse">
           <a:avLst/>
@@ -4571,8 +4253,8 @@
       </dsp:nvSpPr>
       <dsp:spPr>
         <a:xfrm>
-          <a:off x="986490" y="1589577"/>
-          <a:ext cx="436064" cy="436064"/>
+          <a:off x="1018769" y="1712990"/>
+          <a:ext cx="498372" cy="498372"/>
         </a:xfrm>
         <a:prstGeom prst="rect">
           <a:avLst/>
@@ -4626,8 +4308,8 @@
       </dsp:nvSpPr>
       <dsp:spPr>
         <a:xfrm>
-          <a:off x="1771649" y="1446108"/>
-          <a:ext cx="1772181" cy="751834"/>
+          <a:off x="1916116" y="1549021"/>
+          <a:ext cx="2025403" cy="859262"/>
         </a:xfrm>
         <a:prstGeom prst="rect">
           <a:avLst/>
@@ -4656,7 +4338,7 @@
         </a:bodyPr>
         <a:lstStyle/>
         <a:p>
-          <a:pPr lvl="0" algn="l" defTabSz="622300">
+          <a:pPr marL="0" lvl="0" indent="0" algn="l" defTabSz="622300">
             <a:lnSpc>
               <a:spcPct val="100000"/>
             </a:lnSpc>
@@ -4666,17 +4348,17 @@
             <a:spcAft>
               <a:spcPct val="35000"/>
             </a:spcAft>
+            <a:buNone/>
           </a:pPr>
           <a:r>
-            <a:rPr lang="en-US" sz="1400" b="1" kern="1200" dirty="0" smtClean="0"/>
+            <a:rPr lang="en-US" sz="1400" b="1" kern="1200" dirty="0"/>
             <a:t>Chatting.</a:t>
           </a:r>
-          <a:endParaRPr lang="en-US" sz="1400" b="1" kern="1200" dirty="0"/>
         </a:p>
       </dsp:txBody>
       <dsp:txXfrm>
-        <a:off x="1771649" y="1446108"/>
-        <a:ext cx="1772181" cy="751834"/>
+        <a:off x="1916116" y="1549021"/>
+        <a:ext cx="2025403" cy="859262"/>
       </dsp:txXfrm>
     </dsp:sp>
     <dsp:sp modelId="{42FB6544-A9F9-4A74-A9D2-E59133A731E4}">
@@ -4686,8 +4368,8 @@
       </dsp:nvSpPr>
       <dsp:spPr>
         <a:xfrm>
-          <a:off x="3852620" y="1446108"/>
-          <a:ext cx="751834" cy="751834"/>
+          <a:off x="4294431" y="1549021"/>
+          <a:ext cx="859262" cy="859262"/>
         </a:xfrm>
         <a:prstGeom prst="ellipse">
           <a:avLst/>
@@ -4723,8 +4405,8 @@
       </dsp:nvSpPr>
       <dsp:spPr>
         <a:xfrm>
-          <a:off x="4010505" y="1603993"/>
-          <a:ext cx="436064" cy="436064"/>
+          <a:off x="4474876" y="1729466"/>
+          <a:ext cx="498372" cy="498372"/>
         </a:xfrm>
         <a:prstGeom prst="rect">
           <a:avLst/>
@@ -4778,8 +4460,8 @@
       </dsp:nvSpPr>
       <dsp:spPr>
         <a:xfrm>
-          <a:off x="4765562" y="1446108"/>
-          <a:ext cx="1772181" cy="751834"/>
+          <a:off x="5337821" y="1549021"/>
+          <a:ext cx="2025403" cy="859262"/>
         </a:xfrm>
         <a:prstGeom prst="rect">
           <a:avLst/>
@@ -4808,7 +4490,7 @@
         </a:bodyPr>
         <a:lstStyle/>
         <a:p>
-          <a:pPr lvl="0" algn="l" defTabSz="622300">
+          <a:pPr marL="0" lvl="0" indent="0" algn="l" defTabSz="622300">
             <a:lnSpc>
               <a:spcPct val="100000"/>
             </a:lnSpc>
@@ -4818,6 +4500,7 @@
             <a:spcAft>
               <a:spcPct val="35000"/>
             </a:spcAft>
+            <a:buNone/>
           </a:pPr>
           <a:r>
             <a:rPr lang="en-US" sz="1400" b="1" kern="1200"/>
@@ -4826,8 +4509,8 @@
         </a:p>
       </dsp:txBody>
       <dsp:txXfrm>
-        <a:off x="4765562" y="1446108"/>
-        <a:ext cx="1772181" cy="751834"/>
+        <a:off x="5337821" y="1549021"/>
+        <a:ext cx="2025403" cy="859262"/>
       </dsp:txXfrm>
     </dsp:sp>
     <dsp:sp modelId="{079E0F45-D352-4ACC-9247-FEAABD99E2DE}">
@@ -4837,8 +4520,8 @@
       </dsp:nvSpPr>
       <dsp:spPr>
         <a:xfrm>
-          <a:off x="6846533" y="1446108"/>
-          <a:ext cx="751834" cy="751834"/>
+          <a:off x="7716136" y="1549021"/>
+          <a:ext cx="859262" cy="859262"/>
         </a:xfrm>
         <a:prstGeom prst="ellipse">
           <a:avLst/>
@@ -4874,8 +4557,8 @@
       </dsp:nvSpPr>
       <dsp:spPr>
         <a:xfrm>
-          <a:off x="7004418" y="1603993"/>
-          <a:ext cx="436064" cy="436064"/>
+          <a:off x="7896581" y="1729466"/>
+          <a:ext cx="498372" cy="498372"/>
         </a:xfrm>
         <a:prstGeom prst="rect">
           <a:avLst/>
@@ -4929,8 +4612,8 @@
       </dsp:nvSpPr>
       <dsp:spPr>
         <a:xfrm>
-          <a:off x="7759475" y="1446108"/>
-          <a:ext cx="1772181" cy="751834"/>
+          <a:off x="8759526" y="1549021"/>
+          <a:ext cx="2025403" cy="859262"/>
         </a:xfrm>
         <a:prstGeom prst="rect">
           <a:avLst/>
@@ -4959,7 +4642,7 @@
         </a:bodyPr>
         <a:lstStyle/>
         <a:p>
-          <a:pPr lvl="0" algn="l" defTabSz="622300">
+          <a:pPr marL="0" lvl="0" indent="0" algn="l" defTabSz="622300">
             <a:lnSpc>
               <a:spcPct val="100000"/>
             </a:lnSpc>
@@ -4969,17 +4652,17 @@
             <a:spcAft>
               <a:spcPct val="35000"/>
             </a:spcAft>
+            <a:buNone/>
           </a:pPr>
           <a:r>
-            <a:rPr lang="en-US" sz="1400" b="1" kern="1200" dirty="0" smtClean="0"/>
+            <a:rPr lang="en-US" sz="1400" b="1" kern="1200" dirty="0"/>
             <a:t>Online Payment</a:t>
           </a:r>
-          <a:endParaRPr lang="en-US" sz="1400" b="1" kern="1200" dirty="0"/>
         </a:p>
       </dsp:txBody>
       <dsp:txXfrm>
-        <a:off x="7759475" y="1446108"/>
-        <a:ext cx="1772181" cy="751834"/>
+        <a:off x="8759526" y="1549021"/>
+        <a:ext cx="2025403" cy="859262"/>
       </dsp:txXfrm>
     </dsp:sp>
     <dsp:sp modelId="{7646E740-C452-4A06-8628-99E4A211BC7A}">
@@ -4989,8 +4672,8 @@
       </dsp:nvSpPr>
       <dsp:spPr>
         <a:xfrm>
-          <a:off x="858706" y="2817432"/>
-          <a:ext cx="751834" cy="751834"/>
+          <a:off x="872727" y="3081026"/>
+          <a:ext cx="859262" cy="859262"/>
         </a:xfrm>
         <a:prstGeom prst="ellipse">
           <a:avLst/>
@@ -5026,8 +4709,8 @@
       </dsp:nvSpPr>
       <dsp:spPr>
         <a:xfrm>
-          <a:off x="986490" y="2960901"/>
-          <a:ext cx="436064" cy="436064"/>
+          <a:off x="1018769" y="3244994"/>
+          <a:ext cx="498372" cy="498372"/>
         </a:xfrm>
         <a:prstGeom prst="rect">
           <a:avLst/>
@@ -5081,8 +4764,8 @@
       </dsp:nvSpPr>
       <dsp:spPr>
         <a:xfrm>
-          <a:off x="1771649" y="2817432"/>
-          <a:ext cx="1772181" cy="751834"/>
+          <a:off x="1916116" y="3081026"/>
+          <a:ext cx="2025403" cy="859262"/>
         </a:xfrm>
         <a:prstGeom prst="rect">
           <a:avLst/>
@@ -5111,7 +4794,7 @@
         </a:bodyPr>
         <a:lstStyle/>
         <a:p>
-          <a:pPr lvl="0" algn="l" defTabSz="622300">
+          <a:pPr marL="0" lvl="0" indent="0" algn="l" defTabSz="622300">
             <a:lnSpc>
               <a:spcPct val="100000"/>
             </a:lnSpc>
@@ -5121,17 +4804,17 @@
             <a:spcAft>
               <a:spcPct val="35000"/>
             </a:spcAft>
+            <a:buNone/>
           </a:pPr>
           <a:r>
-            <a:rPr lang="en-US" sz="1400" b="1" kern="1200" dirty="0" smtClean="0"/>
+            <a:rPr lang="en-US" sz="1400" b="1" kern="1200" dirty="0"/>
             <a:t>Verification Email</a:t>
           </a:r>
-          <a:endParaRPr lang="en-US" sz="1400" b="1" kern="1200" dirty="0"/>
         </a:p>
       </dsp:txBody>
       <dsp:txXfrm>
-        <a:off x="1771649" y="2817432"/>
-        <a:ext cx="1772181" cy="751834"/>
+        <a:off x="1916116" y="3081026"/>
+        <a:ext cx="2025403" cy="859262"/>
       </dsp:txXfrm>
     </dsp:sp>
     <dsp:sp modelId="{EC254A12-8160-4058-8ECF-2E2689531FD8}">
@@ -5141,8 +4824,8 @@
       </dsp:nvSpPr>
       <dsp:spPr>
         <a:xfrm>
-          <a:off x="3852620" y="2817432"/>
-          <a:ext cx="751834" cy="751834"/>
+          <a:off x="4294431" y="3081026"/>
+          <a:ext cx="859262" cy="859262"/>
         </a:xfrm>
         <a:prstGeom prst="ellipse">
           <a:avLst/>
@@ -5178,8 +4861,8 @@
       </dsp:nvSpPr>
       <dsp:spPr>
         <a:xfrm>
-          <a:off x="4010505" y="2975317"/>
-          <a:ext cx="436064" cy="436064"/>
+          <a:off x="4474876" y="3261471"/>
+          <a:ext cx="498372" cy="498372"/>
         </a:xfrm>
         <a:prstGeom prst="rect">
           <a:avLst/>
@@ -5233,8 +4916,8 @@
       </dsp:nvSpPr>
       <dsp:spPr>
         <a:xfrm>
-          <a:off x="4765562" y="2817432"/>
-          <a:ext cx="1772181" cy="751834"/>
+          <a:off x="5337821" y="3081026"/>
+          <a:ext cx="2025403" cy="859262"/>
         </a:xfrm>
         <a:prstGeom prst="rect">
           <a:avLst/>
@@ -5263,7 +4946,7 @@
         </a:bodyPr>
         <a:lstStyle/>
         <a:p>
-          <a:pPr lvl="0" algn="l" defTabSz="622300">
+          <a:pPr marL="0" lvl="0" indent="0" algn="l" defTabSz="622300">
             <a:lnSpc>
               <a:spcPct val="100000"/>
             </a:lnSpc>
@@ -5273,17 +4956,17 @@
             <a:spcAft>
               <a:spcPct val="35000"/>
             </a:spcAft>
+            <a:buNone/>
           </a:pPr>
           <a:r>
-            <a:rPr lang="en-US" sz="1400" b="1" kern="1200" dirty="0" smtClean="0"/>
+            <a:rPr lang="en-US" sz="1400" b="1" kern="1200" dirty="0"/>
             <a:t>Feedback</a:t>
           </a:r>
-          <a:endParaRPr lang="en-US" sz="1400" b="1" kern="1200" dirty="0"/>
         </a:p>
       </dsp:txBody>
       <dsp:txXfrm>
-        <a:off x="4765562" y="2817432"/>
-        <a:ext cx="1772181" cy="751834"/>
+        <a:off x="5337821" y="3081026"/>
+        <a:ext cx="2025403" cy="859262"/>
       </dsp:txXfrm>
     </dsp:sp>
     <dsp:sp modelId="{8C4A8E13-AE68-4715-ADFE-C8B088E15D25}">
@@ -5293,8 +4976,8 @@
       </dsp:nvSpPr>
       <dsp:spPr>
         <a:xfrm>
-          <a:off x="6846533" y="2817432"/>
-          <a:ext cx="751834" cy="751834"/>
+          <a:off x="7716136" y="3081026"/>
+          <a:ext cx="859262" cy="859262"/>
         </a:xfrm>
         <a:prstGeom prst="ellipse">
           <a:avLst/>
@@ -5330,8 +5013,8 @@
       </dsp:nvSpPr>
       <dsp:spPr>
         <a:xfrm>
-          <a:off x="7004418" y="2975317"/>
-          <a:ext cx="436064" cy="436064"/>
+          <a:off x="7896581" y="3261471"/>
+          <a:ext cx="498372" cy="498372"/>
         </a:xfrm>
         <a:prstGeom prst="rect">
           <a:avLst/>
@@ -5385,8 +5068,8 @@
       </dsp:nvSpPr>
       <dsp:spPr>
         <a:xfrm>
-          <a:off x="7759475" y="2817432"/>
-          <a:ext cx="1772181" cy="751834"/>
+          <a:off x="8759526" y="3081026"/>
+          <a:ext cx="2025403" cy="859262"/>
         </a:xfrm>
         <a:prstGeom prst="rect">
           <a:avLst/>
@@ -5415,7 +5098,7 @@
         </a:bodyPr>
         <a:lstStyle/>
         <a:p>
-          <a:pPr lvl="0" algn="l" defTabSz="622300">
+          <a:pPr marL="0" lvl="0" indent="0" algn="l" defTabSz="622300">
             <a:lnSpc>
               <a:spcPct val="100000"/>
             </a:lnSpc>
@@ -5425,20 +5108,17 @@
             <a:spcAft>
               <a:spcPct val="35000"/>
             </a:spcAft>
+            <a:buNone/>
           </a:pPr>
           <a:r>
-            <a:rPr lang="en-US" sz="1400" b="1" kern="1200" dirty="0" smtClean="0"/>
-            <a:t>Course  </a:t>
-          </a:r>
-          <a:r>
             <a:rPr lang="en-US" sz="1400" b="1" kern="1200" dirty="0"/>
-            <a:t>Review </a:t>
+            <a:t>Course  Review </a:t>
           </a:r>
         </a:p>
       </dsp:txBody>
       <dsp:txXfrm>
-        <a:off x="7759475" y="2817432"/>
-        <a:ext cx="1772181" cy="751834"/>
+        <a:off x="8759526" y="3081026"/>
+        <a:ext cx="2025403" cy="859262"/>
       </dsp:txXfrm>
     </dsp:sp>
   </dsp:spTree>
@@ -5573,7 +5253,7 @@
         </a:bodyPr>
         <a:lstStyle/>
         <a:p>
-          <a:pPr lvl="0" algn="ctr" defTabSz="1778000">
+          <a:pPr marL="0" lvl="0" indent="0" algn="ctr" defTabSz="1778000">
             <a:lnSpc>
               <a:spcPct val="200000"/>
             </a:lnSpc>
@@ -5583,9 +5263,10 @@
             <a:spcAft>
               <a:spcPct val="35000"/>
             </a:spcAft>
+            <a:buNone/>
           </a:pPr>
           <a:r>
-            <a:rPr lang="en-US" sz="4000" b="1" kern="1200" dirty="0" smtClean="0">
+            <a:rPr lang="en-US" sz="4000" b="1" kern="1200" dirty="0">
               <a:latin typeface="Times New Roman" panose="02020603050405020304" pitchFamily="18" charset="0"/>
               <a:ea typeface="+mn-ea"/>
               <a:cs typeface="Times New Roman" panose="02020603050405020304" pitchFamily="18" charset="0"/>
@@ -5818,7 +5499,7 @@
             <a:buNone/>
           </a:pPr>
           <a:r>
-            <a:rPr lang="en-US" sz="4000" b="1" kern="1200" dirty="0" smtClean="0">
+            <a:rPr lang="en-US" sz="4000" b="1" kern="1200" dirty="0">
               <a:latin typeface="Times New Roman" panose="02020603050405020304" pitchFamily="18" charset="0"/>
               <a:cs typeface="Times New Roman" panose="02020603050405020304" pitchFamily="18" charset="0"/>
             </a:rPr>
@@ -6051,18 +5732,13 @@
             <a:buNone/>
           </a:pPr>
           <a:r>
-            <a:rPr lang="en-US" sz="4000" b="1" kern="1200" dirty="0" smtClean="0">
+            <a:rPr lang="en-US" sz="4000" b="1" kern="1200" dirty="0">
               <a:latin typeface="Times New Roman" panose="02020603050405020304" pitchFamily="18" charset="0"/>
               <a:ea typeface="+mn-ea"/>
               <a:cs typeface="Times New Roman" panose="02020603050405020304" pitchFamily="18" charset="0"/>
             </a:rPr>
             <a:t>Diagram</a:t>
           </a:r>
-          <a:endParaRPr lang="en-US" sz="4000" b="1" kern="1200" dirty="0">
-            <a:latin typeface="Times New Roman" panose="02020603050405020304" pitchFamily="18" charset="0"/>
-            <a:ea typeface="+mn-ea"/>
-            <a:cs typeface="Times New Roman" panose="02020603050405020304" pitchFamily="18" charset="0"/>
-          </a:endParaRPr>
         </a:p>
       </dsp:txBody>
       <dsp:txXfrm>
@@ -6272,7 +5948,7 @@
         </a:bodyPr>
         <a:lstStyle/>
         <a:p>
-          <a:pPr lvl="0" algn="ctr" defTabSz="1778000">
+          <a:pPr marL="0" lvl="0" indent="0" algn="ctr" defTabSz="1778000">
             <a:lnSpc>
               <a:spcPct val="200000"/>
             </a:lnSpc>
@@ -6282,9 +5958,10 @@
             <a:spcAft>
               <a:spcPct val="35000"/>
             </a:spcAft>
+            <a:buNone/>
           </a:pPr>
           <a:r>
-            <a:rPr lang="en-US" sz="4000" b="1" kern="1200" smtClean="0">
+            <a:rPr lang="en-US" sz="4000" b="1" kern="1200">
               <a:latin typeface="Times New Roman" panose="02020603050405020304" pitchFamily="18" charset="0"/>
               <a:ea typeface="+mn-ea"/>
               <a:cs typeface="Times New Roman" panose="02020603050405020304" pitchFamily="18" charset="0"/>
@@ -6507,7 +6184,7 @@
   </dgm:layoutNode>
   <dgm:extLst>
     <a:ext uri="{68A01E43-0DF5-4B5B-8FA6-DAF915123BFB}">
-      <dgm1612:lstStyle xmlns:dgm1612="http://schemas.microsoft.com/office/drawing/2016/12/diagram" xmlns="">
+      <dgm1612:lstStyle xmlns:dgm1612="http://schemas.microsoft.com/office/drawing/2016/12/diagram">
         <a:lvl1pPr>
           <a:lnSpc>
             <a:spcPct val="100000"/>
@@ -13851,7 +13528,7 @@
           <a:lstStyle/>
           <a:p>
             <a:r>
-              <a:rPr lang="en-US" sz="3200" b="1" dirty="0" smtClean="0">
+              <a:rPr lang="en-US" sz="3200" b="1" dirty="0">
                 <a:solidFill>
                   <a:schemeClr val="tx1">
                     <a:lumMod val="85000"/>
@@ -13862,7 +13539,7 @@
               <a:t>Project</a:t>
             </a:r>
             <a:r>
-              <a:rPr lang="en-US" sz="3200" b="1" dirty="0" smtClean="0">
+              <a:rPr lang="en-US" sz="3200" b="1" dirty="0">
                 <a:solidFill>
                   <a:schemeClr val="tx1">
                     <a:lumMod val="65000"/>
@@ -13896,19 +13573,17 @@
   <p:clrMapOvr>
     <a:masterClrMapping/>
   </p:clrMapOvr>
-  <p:timing>
-    <p:tnLst>
-      <p:par>
-        <p:cTn id="1" dur="indefinite" restart="never" nodeType="tmRoot"/>
-      </p:par>
-    </p:tnLst>
-  </p:timing>
 </p:sld>
 </file>
 
 <file path=ppt/slides/slide2.xml><?xml version="1.0" encoding="utf-8"?>
 <p:sld xmlns:a="http://schemas.openxmlformats.org/drawingml/2006/main" xmlns:r="http://schemas.openxmlformats.org/officeDocument/2006/relationships" xmlns:p="http://schemas.openxmlformats.org/presentationml/2006/main">
   <p:cSld>
+    <p:bg>
+      <p:bgRef idx="1001">
+        <a:schemeClr val="bg1"/>
+      </p:bgRef>
+    </p:bg>
     <p:spTree>
       <p:nvGrpSpPr>
         <p:cNvPr id="1" name=""/>
@@ -13938,7 +13613,7 @@
           <p:nvPr/>
         </p:nvPicPr>
         <p:blipFill rotWithShape="1">
-          <a:blip r:embed="rId2" cstate="print">
+          <a:blip r:embed="rId3" cstate="print">
             <a:extLst>
               <a:ext uri="{28A0092B-C50C-407E-A947-70E740481C1C}">
                 <a14:useLocalDpi xmlns:a14="http://schemas.microsoft.com/office/drawing/2010/main" val="0"/>
@@ -13972,7 +13647,7 @@
         </p:nvSpPr>
         <p:spPr>
           <a:xfrm>
-            <a:off x="477981" y="1122363"/>
+            <a:off x="0" y="1360357"/>
             <a:ext cx="4023360" cy="2327973"/>
           </a:xfrm>
           <a:prstGeom prst="rect">
@@ -13997,7 +13672,7 @@
               </a:spcAft>
             </a:pPr>
             <a:r>
-              <a:rPr lang="en-US" sz="2800" b="1" i="1" cap="all" baseline="0" dirty="0">
+              <a:rPr lang="en-US" sz="2400" b="1" i="1" cap="all" baseline="0" dirty="0">
                 <a:latin typeface="+mj-lt"/>
                 <a:ea typeface="+mj-ea"/>
                 <a:cs typeface="+mj-cs"/>
@@ -14018,10 +13693,10 @@
               </a:spcAft>
             </a:pPr>
             <a:r>
-              <a:rPr lang="en-US" sz="2800" i="1" cap="all" dirty="0" err="1" smtClean="0"/>
+              <a:rPr lang="en-US" sz="2400" i="1" cap="all" dirty="0" err="1"/>
               <a:t>Role:scrum</a:t>
             </a:r>
-            <a:endParaRPr lang="en-US" sz="2800" i="1" cap="all" dirty="0"/>
+            <a:endParaRPr lang="en-US" sz="2400" i="1" cap="all" dirty="0"/>
           </a:p>
           <a:p>
             <a:pPr>
@@ -14035,7 +13710,7 @@
                 <a:spcPts val="600"/>
               </a:spcAft>
             </a:pPr>
-            <a:endParaRPr lang="en-US" sz="2800" i="1" cap="all" baseline="0" dirty="0">
+            <a:endParaRPr lang="en-US" sz="2400" i="1" cap="all" baseline="0" dirty="0">
               <a:latin typeface="+mj-lt"/>
               <a:ea typeface="+mj-ea"/>
               <a:cs typeface="+mj-cs"/>
@@ -14051,15 +13726,8 @@
     </p:extLst>
   </p:cSld>
   <p:clrMapOvr>
-    <a:masterClrMapping/>
+    <a:overrideClrMapping bg1="lt1" tx1="dk1" bg2="lt2" tx2="dk2" accent1="accent1" accent2="accent2" accent3="accent3" accent4="accent4" accent5="accent5" accent6="accent6" hlink="hlink" folHlink="folHlink"/>
   </p:clrMapOvr>
-  <p:timing>
-    <p:tnLst>
-      <p:par>
-        <p:cTn id="1" dur="indefinite" restart="never" nodeType="tmRoot"/>
-      </p:par>
-    </p:tnLst>
-  </p:timing>
 </p:sld>
 </file>
 
@@ -14154,7 +13822,7 @@
               </a:spcAft>
             </a:pPr>
             <a:r>
-              <a:rPr lang="en-US" sz="2800" b="1" i="1" cap="all" baseline="0" dirty="0">
+              <a:rPr lang="en-US" sz="2400" b="1" i="1" cap="all" baseline="0" dirty="0">
                 <a:latin typeface="+mj-lt"/>
                 <a:ea typeface="+mj-ea"/>
                 <a:cs typeface="+mj-cs"/>
@@ -14162,14 +13830,14 @@
               <a:t>Haitham Al-</a:t>
             </a:r>
             <a:r>
-              <a:rPr lang="en-US" sz="2800" b="1" i="1" cap="all" baseline="0" dirty="0" err="1">
+              <a:rPr lang="en-US" sz="2400" b="1" i="1" cap="all" baseline="0" dirty="0" err="1">
                 <a:latin typeface="+mj-lt"/>
                 <a:ea typeface="+mj-ea"/>
                 <a:cs typeface="+mj-cs"/>
               </a:rPr>
               <a:t>Ulaimi</a:t>
             </a:r>
-            <a:endParaRPr lang="en-US" sz="2800" b="1" i="1" cap="all" baseline="0" dirty="0">
+            <a:endParaRPr lang="en-US" sz="2400" b="1" i="1" cap="all" baseline="0" dirty="0">
               <a:latin typeface="+mj-lt"/>
               <a:ea typeface="+mj-ea"/>
               <a:cs typeface="+mj-cs"/>
@@ -14188,10 +13856,10 @@
               </a:spcAft>
             </a:pPr>
             <a:r>
-              <a:rPr lang="en-US" sz="2800" i="1" cap="all" dirty="0" err="1"/>
+              <a:rPr lang="en-US" sz="2400" i="1" cap="all" dirty="0" err="1"/>
               <a:t>Role:MEMBER</a:t>
             </a:r>
-            <a:endParaRPr lang="en-US" sz="2800" i="1" cap="all" dirty="0"/>
+            <a:endParaRPr lang="en-US" sz="2400" i="1" cap="all" dirty="0"/>
           </a:p>
           <a:p>
             <a:pPr>
@@ -14205,7 +13873,7 @@
                 <a:spcPts val="600"/>
               </a:spcAft>
             </a:pPr>
-            <a:endParaRPr lang="en-US" sz="2800" i="1" cap="all" baseline="0" dirty="0">
+            <a:endParaRPr lang="en-US" sz="2400" i="1" cap="all" baseline="0" dirty="0">
               <a:latin typeface="+mj-lt"/>
               <a:ea typeface="+mj-ea"/>
               <a:cs typeface="+mj-cs"/>
@@ -14223,7 +13891,7 @@
                 <a:spcPts val="600"/>
               </a:spcAft>
             </a:pPr>
-            <a:endParaRPr lang="en-US" sz="4800" i="1" cap="all" baseline="0" dirty="0">
+            <a:endParaRPr lang="en-US" sz="4400" i="1" cap="all" baseline="0" dirty="0">
               <a:latin typeface="+mj-lt"/>
               <a:ea typeface="+mj-ea"/>
               <a:cs typeface="+mj-cs"/>
@@ -14241,13 +13909,6 @@
   <p:clrMapOvr>
     <a:masterClrMapping/>
   </p:clrMapOvr>
-  <p:timing>
-    <p:tnLst>
-      <p:par>
-        <p:cTn id="1" dur="indefinite" restart="never" nodeType="tmRoot"/>
-      </p:par>
-    </p:tnLst>
-  </p:timing>
 </p:sld>
 </file>
 
@@ -14308,13 +13969,6 @@
   <p:clrMapOvr>
     <a:masterClrMapping/>
   </p:clrMapOvr>
-  <p:timing>
-    <p:tnLst>
-      <p:par>
-        <p:cTn id="1" dur="indefinite" restart="never" nodeType="tmRoot"/>
-      </p:par>
-    </p:tnLst>
-  </p:timing>
 </p:sld>
 </file>
 
@@ -14348,14 +14002,14 @@
           <p:nvPr>
             <p:extLst>
               <p:ext uri="{D42A27DB-BD31-4B8C-83A1-F6EECF244321}">
-                <p14:modId xmlns:p14="http://schemas.microsoft.com/office/powerpoint/2010/main" val="1631020315"/>
+                <p14:modId xmlns:p14="http://schemas.microsoft.com/office/powerpoint/2010/main" val="2620472028"/>
               </p:ext>
             </p:extLst>
           </p:nvPr>
         </p:nvGraphicFramePr>
         <p:xfrm>
-          <a:off x="1205153" y="2899886"/>
-          <a:ext cx="10561982" cy="3644052"/>
+          <a:off x="569934" y="2699698"/>
+          <a:ext cx="11853797" cy="3957306"/>
         </p:xfrm>
         <a:graphic>
           <a:graphicData uri="http://schemas.openxmlformats.org/drawingml/2006/diagram">
@@ -14439,7 +14093,7 @@
                 <a16:creationId xmlns:a16="http://schemas.microsoft.com/office/drawing/2014/main" id="{1B0549EF-E3A5-48D7-9134-A4E08C0EF1E8}"/>
               </a:ext>
               <a:ext uri="{C183D7F6-B498-43B3-948B-1728B52AA6E4}">
-                <adec:decorative xmlns:adec="http://schemas.microsoft.com/office/drawing/2017/decorative" xmlns="" val="1"/>
+                <adec:decorative xmlns:adec="http://schemas.microsoft.com/office/drawing/2017/decorative" val="1"/>
               </a:ext>
             </a:extLst>
           </p:cNvPr>
@@ -14499,7 +14153,7 @@
                 <a16:creationId xmlns:a16="http://schemas.microsoft.com/office/drawing/2014/main" id="{216DD803-634F-4EF2-A1E7-B1911DEE9D0B}"/>
               </a:ext>
               <a:ext uri="{C183D7F6-B498-43B3-948B-1728B52AA6E4}">
-                <adec:decorative xmlns:adec="http://schemas.microsoft.com/office/drawing/2017/decorative" xmlns="" val="1"/>
+                <adec:decorative xmlns:adec="http://schemas.microsoft.com/office/drawing/2017/decorative" val="1"/>
               </a:ext>
             </a:extLst>
           </p:cNvPr>
@@ -14601,7 +14255,7 @@
                 <a16:creationId xmlns:a16="http://schemas.microsoft.com/office/drawing/2014/main" id="{A77B63F8-D1F3-4D40-B2D4-779BAE82BE6D}"/>
               </a:ext>
               <a:ext uri="{C183D7F6-B498-43B3-948B-1728B52AA6E4}">
-                <adec:decorative xmlns:adec="http://schemas.microsoft.com/office/drawing/2017/decorative" xmlns="" val="1"/>
+                <adec:decorative xmlns:adec="http://schemas.microsoft.com/office/drawing/2017/decorative" val="1"/>
               </a:ext>
             </a:extLst>
           </p:cNvPr>
@@ -14761,7 +14415,7 @@
                 <a16:creationId xmlns:a16="http://schemas.microsoft.com/office/drawing/2014/main" id="{53B021B3-DE93-4AB7-8A18-CF5F1CED88B8}"/>
               </a:ext>
               <a:ext uri="{C183D7F6-B498-43B3-948B-1728B52AA6E4}">
-                <adec:decorative xmlns:adec="http://schemas.microsoft.com/office/drawing/2017/decorative" xmlns="" val="1"/>
+                <adec:decorative xmlns:adec="http://schemas.microsoft.com/office/drawing/2017/decorative" val="1"/>
               </a:ext>
             </a:extLst>
           </p:cNvPr>
@@ -14856,7 +14510,7 @@
                 <a16:creationId xmlns:a16="http://schemas.microsoft.com/office/drawing/2014/main" id="{52D502E5-F6B4-4D58-B4AE-FC466FF15EE8}"/>
               </a:ext>
               <a:ext uri="{C183D7F6-B498-43B3-948B-1728B52AA6E4}">
-                <adec:decorative xmlns:adec="http://schemas.microsoft.com/office/drawing/2017/decorative" xmlns="" val="1"/>
+                <adec:decorative xmlns:adec="http://schemas.microsoft.com/office/drawing/2017/decorative" val="1"/>
               </a:ext>
             </a:extLst>
           </p:cNvPr>
@@ -14958,7 +14612,7 @@
                 <a16:creationId xmlns:a16="http://schemas.microsoft.com/office/drawing/2014/main" id="{9DECDBF4-02B6-4BB4-B65B-B8107AD6A9E8}"/>
               </a:ext>
               <a:ext uri="{C183D7F6-B498-43B3-948B-1728B52AA6E4}">
-                <adec:decorative xmlns:adec="http://schemas.microsoft.com/office/drawing/2017/decorative" xmlns="" val="1"/>
+                <adec:decorative xmlns:adec="http://schemas.microsoft.com/office/drawing/2017/decorative" val="1"/>
               </a:ext>
             </a:extLst>
           </p:cNvPr>
@@ -15234,7 +14888,7 @@
                 <a16:creationId xmlns:a16="http://schemas.microsoft.com/office/drawing/2014/main" id="{90D01200-0224-43C5-AB38-FB4D16B73FB7}"/>
               </a:ext>
               <a:ext uri="{C183D7F6-B498-43B3-948B-1728B52AA6E4}">
-                <adec:decorative xmlns:adec="http://schemas.microsoft.com/office/drawing/2017/decorative" xmlns="" val="1"/>
+                <adec:decorative xmlns:adec="http://schemas.microsoft.com/office/drawing/2017/decorative" val="1"/>
               </a:ext>
             </a:extLst>
           </p:cNvPr>
@@ -15329,7 +14983,7 @@
                 <a16:creationId xmlns:a16="http://schemas.microsoft.com/office/drawing/2014/main" id="{728A44A4-A002-4A88-9FC9-1D0566C97A47}"/>
               </a:ext>
               <a:ext uri="{C183D7F6-B498-43B3-948B-1728B52AA6E4}">
-                <adec:decorative xmlns:adec="http://schemas.microsoft.com/office/drawing/2017/decorative" xmlns="" val="1"/>
+                <adec:decorative xmlns:adec="http://schemas.microsoft.com/office/drawing/2017/decorative" val="1"/>
               </a:ext>
             </a:extLst>
           </p:cNvPr>
@@ -15421,7 +15075,7 @@
                 <a16:creationId xmlns:a16="http://schemas.microsoft.com/office/drawing/2014/main" id="{3E7D5C7B-DD16-401B-85CE-4AAA2A4F5136}"/>
               </a:ext>
               <a:ext uri="{C183D7F6-B498-43B3-948B-1728B52AA6E4}">
-                <adec:decorative xmlns:adec="http://schemas.microsoft.com/office/drawing/2017/decorative" xmlns="" val="1"/>
+                <adec:decorative xmlns:adec="http://schemas.microsoft.com/office/drawing/2017/decorative" val="1"/>
               </a:ext>
             </a:extLst>
           </p:cNvPr>
@@ -15539,25 +15193,13 @@
           <a:p>
             <a:r>
               <a:rPr lang="en-US" sz="1800" b="1" dirty="0"/>
-              <a:t>Build The backend </a:t>
-            </a:r>
-            <a:r>
-              <a:rPr lang="en-US" sz="1800" b="1" dirty="0" smtClean="0"/>
-              <a:t>.</a:t>
+              <a:t>Build The backend .</a:t>
             </a:r>
           </a:p>
           <a:p>
             <a:r>
               <a:rPr lang="en-US" sz="1800" b="1" dirty="0"/>
-              <a:t>Build The </a:t>
-            </a:r>
-            <a:r>
-              <a:rPr lang="en-US" sz="1800" b="1" dirty="0" smtClean="0"/>
-              <a:t>frontend </a:t>
-            </a:r>
-            <a:r>
-              <a:rPr lang="en-US" sz="1800" b="1" dirty="0"/>
-              <a:t>.</a:t>
+              <a:t>Build The frontend .</a:t>
             </a:r>
           </a:p>
           <a:p>
@@ -15810,4 +15452,47 @@
     </a:ext>
   </a:extLst>
 </a:theme>
+</file>
+
+<file path=ppt/theme/themeOverride1.xml><?xml version="1.0" encoding="utf-8"?>
+<a:themeOverride xmlns:a="http://schemas.openxmlformats.org/drawingml/2006/main">
+  <a:clrScheme name="AccentBoxVTI">
+    <a:dk1>
+      <a:srgbClr val="000000"/>
+    </a:dk1>
+    <a:lt1>
+      <a:sysClr val="window" lastClr="FFFFFF"/>
+    </a:lt1>
+    <a:dk2>
+      <a:srgbClr val="262626"/>
+    </a:dk2>
+    <a:lt2>
+      <a:srgbClr val="FFFFFF"/>
+    </a:lt2>
+    <a:accent1>
+      <a:srgbClr val="F5A700"/>
+    </a:accent1>
+    <a:accent2>
+      <a:srgbClr val="00A5AB"/>
+    </a:accent2>
+    <a:accent3>
+      <a:srgbClr val="09963B"/>
+    </a:accent3>
+    <a:accent4>
+      <a:srgbClr val="E64823"/>
+    </a:accent4>
+    <a:accent5>
+      <a:srgbClr val="9C6A6A"/>
+    </a:accent5>
+    <a:accent6>
+      <a:srgbClr val="824F8C"/>
+    </a:accent6>
+    <a:hlink>
+      <a:srgbClr val="2998E3"/>
+    </a:hlink>
+    <a:folHlink>
+      <a:srgbClr val="7F723D"/>
+    </a:folHlink>
+  </a:clrScheme>
+</a:themeOverride>
 </file>
--- a/HEX_PROJECT_6_MERAKI_ACADEMY_.pptx
+++ b/HEX_PROJECT_6_MERAKI_ACADEMY_.pptx
@@ -6,14 +6,13 @@
   </p:sldMasterIdLst>
   <p:sldIdLst>
     <p:sldId id="270" r:id="rId2"/>
-    <p:sldId id="271" r:id="rId3"/>
-    <p:sldId id="272" r:id="rId4"/>
-    <p:sldId id="274" r:id="rId5"/>
-    <p:sldId id="257" r:id="rId6"/>
-    <p:sldId id="258" r:id="rId7"/>
-    <p:sldId id="259" r:id="rId8"/>
+    <p:sldId id="272" r:id="rId3"/>
+    <p:sldId id="274" r:id="rId4"/>
+    <p:sldId id="257" r:id="rId5"/>
+    <p:sldId id="258" r:id="rId6"/>
+    <p:sldId id="259" r:id="rId7"/>
+    <p:sldId id="260" r:id="rId8"/>
     <p:sldId id="269" r:id="rId9"/>
-    <p:sldId id="260" r:id="rId10"/>
   </p:sldIdLst>
   <p:sldSz cx="12192000" cy="6858000"/>
   <p:notesSz cx="6858000" cy="9144000"/>
@@ -13482,7 +13481,13 @@
       </p:grpSpPr>
       <p:pic>
         <p:nvPicPr>
-          <p:cNvPr id="2" name="Picture 1"/>
+          <p:cNvPr id="10" name="Picture 9" descr="A picture containing text&#10;&#10;Description automatically generated">
+            <a:extLst>
+              <a:ext uri="{FF2B5EF4-FFF2-40B4-BE49-F238E27FC236}">
+                <a16:creationId xmlns:a16="http://schemas.microsoft.com/office/drawing/2014/main" id="{AE8B4ABA-743B-4653-A991-7C4420497415}"/>
+              </a:ext>
+            </a:extLst>
+          </p:cNvPr>
           <p:cNvPicPr>
             <a:picLocks noChangeAspect="1"/>
           </p:cNvPicPr>
@@ -13503,7 +13508,7 @@
         <p:spPr>
           <a:xfrm>
             <a:off x="0" y="0"/>
-            <a:ext cx="12687302" cy="6858000"/>
+            <a:ext cx="12192000" cy="6858000"/>
           </a:xfrm>
           <a:prstGeom prst="rect">
             <a:avLst/>
@@ -13512,54 +13517,213 @@
       </p:pic>
       <p:sp>
         <p:nvSpPr>
-          <p:cNvPr id="4" name="Subtitle 3"/>
-          <p:cNvSpPr>
-            <a:spLocks noGrp="1"/>
+          <p:cNvPr id="6" name="Subtitle 3">
+            <a:extLst>
+              <a:ext uri="{FF2B5EF4-FFF2-40B4-BE49-F238E27FC236}">
+                <a16:creationId xmlns:a16="http://schemas.microsoft.com/office/drawing/2014/main" id="{A64D4FF3-174F-4B24-9295-E5C66BF4799A}"/>
+              </a:ext>
+            </a:extLst>
+          </p:cNvPr>
+          <p:cNvSpPr txBox="1">
+            <a:spLocks/>
           </p:cNvSpPr>
-          <p:nvPr>
-            <p:ph type="subTitle" idx="1"/>
-          </p:nvPr>
+          <p:nvPr/>
         </p:nvSpPr>
-        <p:spPr/>
+        <p:spPr>
+          <a:xfrm>
+            <a:off x="362881" y="294582"/>
+            <a:ext cx="2893512" cy="883014"/>
+          </a:xfrm>
+          <a:prstGeom prst="rect">
+            <a:avLst/>
+          </a:prstGeom>
+        </p:spPr>
         <p:txBody>
-          <a:bodyPr>
+          <a:bodyPr vert="horz" lIns="91440" tIns="45720" rIns="91440" bIns="45720" rtlCol="0">
             <a:normAutofit/>
           </a:bodyPr>
-          <a:lstStyle/>
+          <a:lstStyle>
+            <a:lvl1pPr marL="0" indent="0" algn="l" defTabSz="914400" rtl="0" eaLnBrk="1" latinLnBrk="0" hangingPunct="1">
+              <a:lnSpc>
+                <a:spcPct val="110000"/>
+              </a:lnSpc>
+              <a:spcBef>
+                <a:spcPts val="1000"/>
+              </a:spcBef>
+              <a:buFont typeface="Arial" panose="020B0604020202020204" pitchFamily="34" charset="0"/>
+              <a:buNone/>
+              <a:defRPr sz="2800" kern="1200">
+                <a:solidFill>
+                  <a:schemeClr val="tx1"/>
+                </a:solidFill>
+                <a:latin typeface="+mn-lt"/>
+                <a:ea typeface="+mn-ea"/>
+                <a:cs typeface="+mn-cs"/>
+              </a:defRPr>
+            </a:lvl1pPr>
+            <a:lvl2pPr marL="457200" indent="0" algn="ctr" defTabSz="914400" rtl="0" eaLnBrk="1" latinLnBrk="0" hangingPunct="1">
+              <a:lnSpc>
+                <a:spcPct val="110000"/>
+              </a:lnSpc>
+              <a:spcBef>
+                <a:spcPts val="500"/>
+              </a:spcBef>
+              <a:buFont typeface="Arial" panose="020B0604020202020204" pitchFamily="34" charset="0"/>
+              <a:buNone/>
+              <a:defRPr sz="2000" kern="1200">
+                <a:solidFill>
+                  <a:schemeClr val="tx1"/>
+                </a:solidFill>
+                <a:latin typeface="+mn-lt"/>
+                <a:ea typeface="+mn-ea"/>
+                <a:cs typeface="+mn-cs"/>
+              </a:defRPr>
+            </a:lvl2pPr>
+            <a:lvl3pPr marL="914400" indent="0" algn="ctr" defTabSz="914400" rtl="0" eaLnBrk="1" latinLnBrk="0" hangingPunct="1">
+              <a:lnSpc>
+                <a:spcPct val="110000"/>
+              </a:lnSpc>
+              <a:spcBef>
+                <a:spcPts val="500"/>
+              </a:spcBef>
+              <a:buFont typeface="Arial" panose="020B0604020202020204" pitchFamily="34" charset="0"/>
+              <a:buNone/>
+              <a:defRPr sz="1800" kern="1200">
+                <a:solidFill>
+                  <a:schemeClr val="tx1"/>
+                </a:solidFill>
+                <a:latin typeface="+mn-lt"/>
+                <a:ea typeface="+mn-ea"/>
+                <a:cs typeface="+mn-cs"/>
+              </a:defRPr>
+            </a:lvl3pPr>
+            <a:lvl4pPr marL="1371600" indent="0" algn="ctr" defTabSz="914400" rtl="0" eaLnBrk="1" latinLnBrk="0" hangingPunct="1">
+              <a:lnSpc>
+                <a:spcPct val="110000"/>
+              </a:lnSpc>
+              <a:spcBef>
+                <a:spcPts val="500"/>
+              </a:spcBef>
+              <a:buFont typeface="Arial" panose="020B0604020202020204" pitchFamily="34" charset="0"/>
+              <a:buNone/>
+              <a:defRPr sz="1600" kern="1200">
+                <a:solidFill>
+                  <a:schemeClr val="tx1"/>
+                </a:solidFill>
+                <a:latin typeface="+mn-lt"/>
+                <a:ea typeface="+mn-ea"/>
+                <a:cs typeface="+mn-cs"/>
+              </a:defRPr>
+            </a:lvl4pPr>
+            <a:lvl5pPr marL="1828800" indent="0" algn="ctr" defTabSz="914400" rtl="0" eaLnBrk="1" latinLnBrk="0" hangingPunct="1">
+              <a:lnSpc>
+                <a:spcPct val="110000"/>
+              </a:lnSpc>
+              <a:spcBef>
+                <a:spcPts val="500"/>
+              </a:spcBef>
+              <a:buFont typeface="Arial" panose="020B0604020202020204" pitchFamily="34" charset="0"/>
+              <a:buNone/>
+              <a:defRPr sz="1600" kern="1200">
+                <a:solidFill>
+                  <a:schemeClr val="tx1"/>
+                </a:solidFill>
+                <a:latin typeface="+mn-lt"/>
+                <a:ea typeface="+mn-ea"/>
+                <a:cs typeface="+mn-cs"/>
+              </a:defRPr>
+            </a:lvl5pPr>
+            <a:lvl6pPr marL="2286000" indent="0" algn="ctr" defTabSz="914400" rtl="0" eaLnBrk="1" latinLnBrk="0" hangingPunct="1">
+              <a:lnSpc>
+                <a:spcPct val="90000"/>
+              </a:lnSpc>
+              <a:spcBef>
+                <a:spcPts val="500"/>
+              </a:spcBef>
+              <a:buFont typeface="Arial" panose="020B0604020202020204" pitchFamily="34" charset="0"/>
+              <a:buNone/>
+              <a:defRPr sz="1600" kern="1200">
+                <a:solidFill>
+                  <a:schemeClr val="tx1"/>
+                </a:solidFill>
+                <a:latin typeface="+mn-lt"/>
+                <a:ea typeface="+mn-ea"/>
+                <a:cs typeface="+mn-cs"/>
+              </a:defRPr>
+            </a:lvl6pPr>
+            <a:lvl7pPr marL="2743200" indent="0" algn="ctr" defTabSz="914400" rtl="0" eaLnBrk="1" latinLnBrk="0" hangingPunct="1">
+              <a:lnSpc>
+                <a:spcPct val="90000"/>
+              </a:lnSpc>
+              <a:spcBef>
+                <a:spcPts val="500"/>
+              </a:spcBef>
+              <a:buFont typeface="Arial" panose="020B0604020202020204" pitchFamily="34" charset="0"/>
+              <a:buNone/>
+              <a:defRPr sz="1600" kern="1200">
+                <a:solidFill>
+                  <a:schemeClr val="tx1"/>
+                </a:solidFill>
+                <a:latin typeface="+mn-lt"/>
+                <a:ea typeface="+mn-ea"/>
+                <a:cs typeface="+mn-cs"/>
+              </a:defRPr>
+            </a:lvl7pPr>
+            <a:lvl8pPr marL="3200400" indent="0" algn="ctr" defTabSz="914400" rtl="0" eaLnBrk="1" latinLnBrk="0" hangingPunct="1">
+              <a:lnSpc>
+                <a:spcPct val="90000"/>
+              </a:lnSpc>
+              <a:spcBef>
+                <a:spcPts val="500"/>
+              </a:spcBef>
+              <a:buFont typeface="Arial" panose="020B0604020202020204" pitchFamily="34" charset="0"/>
+              <a:buNone/>
+              <a:defRPr sz="1600" kern="1200">
+                <a:solidFill>
+                  <a:schemeClr val="tx1"/>
+                </a:solidFill>
+                <a:latin typeface="+mn-lt"/>
+                <a:ea typeface="+mn-ea"/>
+                <a:cs typeface="+mn-cs"/>
+              </a:defRPr>
+            </a:lvl8pPr>
+            <a:lvl9pPr marL="3657600" indent="0" algn="ctr" defTabSz="914400" rtl="0" eaLnBrk="1" latinLnBrk="0" hangingPunct="1">
+              <a:lnSpc>
+                <a:spcPct val="90000"/>
+              </a:lnSpc>
+              <a:spcBef>
+                <a:spcPts val="500"/>
+              </a:spcBef>
+              <a:buFont typeface="Arial" panose="020B0604020202020204" pitchFamily="34" charset="0"/>
+              <a:buNone/>
+              <a:defRPr sz="1600" kern="1200">
+                <a:solidFill>
+                  <a:schemeClr val="tx1"/>
+                </a:solidFill>
+                <a:latin typeface="+mn-lt"/>
+                <a:ea typeface="+mn-ea"/>
+                <a:cs typeface="+mn-cs"/>
+              </a:defRPr>
+            </a:lvl9pPr>
+          </a:lstStyle>
           <a:p>
             <a:r>
-              <a:rPr lang="en-US" sz="3200" b="1" dirty="0">
+              <a:rPr lang="en-US" sz="4400" b="1" dirty="0">
                 <a:solidFill>
-                  <a:schemeClr val="tx1">
-                    <a:lumMod val="85000"/>
-                    <a:lumOff val="15000"/>
+                  <a:schemeClr val="bg2">
+                    <a:lumMod val="95000"/>
                   </a:schemeClr>
                 </a:solidFill>
               </a:rPr>
-              <a:t>Project</a:t>
+              <a:t>Project 6</a:t>
             </a:r>
-            <a:r>
-              <a:rPr lang="en-US" sz="3200" b="1" dirty="0">
-                <a:solidFill>
-                  <a:schemeClr val="tx1">
-                    <a:lumMod val="65000"/>
-                    <a:lumOff val="35000"/>
-                  </a:schemeClr>
-                </a:solidFill>
-              </a:rPr>
-              <a:t> </a:t>
-            </a:r>
-            <a:r>
-              <a:rPr lang="en-US" sz="3200" b="1" dirty="0">
-                <a:solidFill>
-                  <a:schemeClr val="tx1">
-                    <a:lumMod val="85000"/>
-                    <a:lumOff val="15000"/>
-                  </a:schemeClr>
-                </a:solidFill>
-              </a:rPr>
-              <a:t>6</a:t>
-            </a:r>
+            <a:endParaRPr lang="en-US" sz="3200" b="1" dirty="0">
+              <a:solidFill>
+                <a:schemeClr val="bg2">
+                  <a:lumMod val="95000"/>
+                </a:schemeClr>
+              </a:solidFill>
+            </a:endParaRPr>
           </a:p>
         </p:txBody>
       </p:sp>
@@ -13580,9 +13744,12 @@
 <p:sld xmlns:a="http://schemas.openxmlformats.org/drawingml/2006/main" xmlns:r="http://schemas.openxmlformats.org/officeDocument/2006/relationships" xmlns:p="http://schemas.openxmlformats.org/presentationml/2006/main">
   <p:cSld>
     <p:bg>
-      <p:bgRef idx="1001">
-        <a:schemeClr val="bg1"/>
-      </p:bgRef>
+      <p:bgPr>
+        <a:solidFill>
+          <a:schemeClr val="bg1"/>
+        </a:solidFill>
+        <a:effectLst/>
+      </p:bgPr>
     </p:bg>
     <p:spTree>
       <p:nvGrpSpPr>
@@ -13598,47 +13765,174 @@
           <a:chExt cx="0" cy="0"/>
         </a:xfrm>
       </p:grpSpPr>
-      <p:pic>
-        <p:nvPicPr>
-          <p:cNvPr id="14" name="Picture 13">
+      <p:sp useBgFill="1">
+        <p:nvSpPr>
+          <p:cNvPr id="24" name="Rectangle 23">
             <a:extLst>
               <a:ext uri="{FF2B5EF4-FFF2-40B4-BE49-F238E27FC236}">
-                <a16:creationId xmlns:a16="http://schemas.microsoft.com/office/drawing/2014/main" id="{8136AF1B-F555-4CDC-9493-E1A843AE64C7}"/>
+                <a16:creationId xmlns:a16="http://schemas.microsoft.com/office/drawing/2014/main" id="{634E5E7C-1976-4C3E-A934-9425D4F2BF63}"/>
+              </a:ext>
+              <a:ext uri="{C183D7F6-B498-43B3-948B-1728B52AA6E4}">
+                <adec:decorative xmlns:adec="http://schemas.microsoft.com/office/drawing/2017/decorative" val="1"/>
               </a:ext>
             </a:extLst>
           </p:cNvPr>
-          <p:cNvPicPr>
-            <a:picLocks noChangeAspect="1"/>
-          </p:cNvPicPr>
-          <p:nvPr/>
-        </p:nvPicPr>
-        <p:blipFill rotWithShape="1">
-          <a:blip r:embed="rId3" cstate="print">
-            <a:extLst>
-              <a:ext uri="{28A0092B-C50C-407E-A947-70E740481C1C}">
-                <a14:useLocalDpi xmlns:a14="http://schemas.microsoft.com/office/drawing/2010/main" val="0"/>
-              </a:ext>
-            </a:extLst>
-          </a:blip>
-          <a:srcRect t="2529" r="-2" b="40903"/>
-          <a:stretch/>
-        </p:blipFill>
+          <p:cNvSpPr>
+            <a:spLocks noGrp="1" noRot="1" noChangeAspect="1" noMove="1" noResize="1" noEditPoints="1" noAdjustHandles="1" noChangeArrowheads="1" noChangeShapeType="1" noTextEdit="1"/>
+          </p:cNvSpPr>
+          <p:nvPr>
+            <p:extLst>
+              <p:ext uri="{386F3935-93C4-4BCD-93E2-E3B085C9AB24}">
+                <p16:designElem xmlns:p16="http://schemas.microsoft.com/office/powerpoint/2015/main" val="1"/>
+              </p:ext>
+            </p:extLst>
+          </p:nvPr>
+        </p:nvSpPr>
         <p:spPr>
           <a:xfrm>
-            <a:off x="3523488" y="10"/>
-            <a:ext cx="8668512" cy="6857990"/>
+            <a:off x="0" y="0"/>
+            <a:ext cx="12192000" cy="6858000"/>
           </a:xfrm>
           <a:prstGeom prst="rect">
             <a:avLst/>
           </a:prstGeom>
+          <a:ln>
+            <a:noFill/>
+          </a:ln>
         </p:spPr>
-      </p:pic>
+        <p:style>
+          <a:lnRef idx="2">
+            <a:schemeClr val="accent1">
+              <a:shade val="50000"/>
+            </a:schemeClr>
+          </a:lnRef>
+          <a:fillRef idx="1">
+            <a:schemeClr val="accent1"/>
+          </a:fillRef>
+          <a:effectRef idx="0">
+            <a:schemeClr val="accent1"/>
+          </a:effectRef>
+          <a:fontRef idx="minor">
+            <a:schemeClr val="lt1"/>
+          </a:fontRef>
+        </p:style>
+        <p:txBody>
+          <a:bodyPr rtlCol="0" anchor="ctr"/>
+          <a:lstStyle/>
+          <a:p>
+            <a:pPr algn="ctr"/>
+            <a:endParaRPr lang="en-US"/>
+          </a:p>
+        </p:txBody>
+      </p:sp>
+      <p:sp useBgFill="1">
+        <p:nvSpPr>
+          <p:cNvPr id="26" name="Rectangle 25">
+            <a:extLst>
+              <a:ext uri="{FF2B5EF4-FFF2-40B4-BE49-F238E27FC236}">
+                <a16:creationId xmlns:a16="http://schemas.microsoft.com/office/drawing/2014/main" id="{78D323F3-5366-46A1-A430-A21785CACEA0}"/>
+              </a:ext>
+              <a:ext uri="{C183D7F6-B498-43B3-948B-1728B52AA6E4}">
+                <adec:decorative xmlns:adec="http://schemas.microsoft.com/office/drawing/2017/decorative" val="1"/>
+              </a:ext>
+            </a:extLst>
+          </p:cNvPr>
+          <p:cNvSpPr>
+            <a:spLocks noGrp="1" noRot="1" noChangeAspect="1" noMove="1" noResize="1" noEditPoints="1" noAdjustHandles="1" noChangeArrowheads="1" noChangeShapeType="1" noTextEdit="1"/>
+          </p:cNvSpPr>
+          <p:nvPr>
+            <p:extLst>
+              <p:ext uri="{386F3935-93C4-4BCD-93E2-E3B085C9AB24}">
+                <p16:designElem xmlns:p16="http://schemas.microsoft.com/office/powerpoint/2015/main" val="1"/>
+              </p:ext>
+            </p:extLst>
+          </p:nvPr>
+        </p:nvSpPr>
+        <p:spPr>
+          <a:xfrm>
+            <a:off x="1903615" y="4638503"/>
+            <a:ext cx="8384770" cy="1332634"/>
+          </a:xfrm>
+          <a:prstGeom prst="rect">
+            <a:avLst/>
+          </a:prstGeom>
+          <a:ln w="12700">
+            <a:solidFill>
+              <a:schemeClr val="tx2">
+                <a:lumMod val="10000"/>
+                <a:lumOff val="90000"/>
+              </a:schemeClr>
+            </a:solidFill>
+          </a:ln>
+          <a:effectLst>
+            <a:outerShdw blurRad="50800" dist="38100" dir="2700000" algn="tl" rotWithShape="0">
+              <a:schemeClr val="bg2">
+                <a:lumMod val="85000"/>
+                <a:alpha val="30000"/>
+              </a:schemeClr>
+            </a:outerShdw>
+          </a:effectLst>
+        </p:spPr>
+        <p:style>
+          <a:lnRef idx="2">
+            <a:schemeClr val="accent1">
+              <a:shade val="50000"/>
+            </a:schemeClr>
+          </a:lnRef>
+          <a:fillRef idx="1">
+            <a:schemeClr val="accent1"/>
+          </a:fillRef>
+          <a:effectRef idx="0">
+            <a:schemeClr val="accent1"/>
+          </a:effectRef>
+          <a:fontRef idx="minor">
+            <a:schemeClr val="lt1"/>
+          </a:fontRef>
+        </p:style>
+        <p:txBody>
+          <a:bodyPr rtlCol="0" anchor="ctr"/>
+          <a:lstStyle/>
+          <a:p>
+            <a:pPr marL="0" marR="0" lvl="0" indent="0" algn="ctr" defTabSz="914400" rtl="0" eaLnBrk="1" fontAlgn="auto" latinLnBrk="0" hangingPunct="1">
+              <a:lnSpc>
+                <a:spcPct val="100000"/>
+              </a:lnSpc>
+              <a:spcBef>
+                <a:spcPts val="0"/>
+              </a:spcBef>
+              <a:spcAft>
+                <a:spcPts val="0"/>
+              </a:spcAft>
+              <a:buClrTx/>
+              <a:buSzTx/>
+              <a:buFontTx/>
+              <a:buNone/>
+              <a:tabLst/>
+              <a:defRPr/>
+            </a:pPr>
+            <a:endParaRPr kumimoji="0" lang="en-US" sz="1800" b="0" i="0" u="none" strike="noStrike" kern="1200" cap="none" spc="0" normalizeH="0" baseline="0" noProof="0">
+              <a:ln>
+                <a:noFill/>
+              </a:ln>
+              <a:solidFill>
+                <a:prstClr val="white"/>
+              </a:solidFill>
+              <a:effectLst/>
+              <a:uLnTx/>
+              <a:uFillTx/>
+              <a:latin typeface="Calibri" panose="020F0502020204030204"/>
+              <a:ea typeface="+mn-ea"/>
+              <a:cs typeface="+mn-cs"/>
+            </a:endParaRPr>
+          </a:p>
+        </p:txBody>
+      </p:sp>
       <p:sp>
         <p:nvSpPr>
-          <p:cNvPr id="15" name="TextBox 14">
+          <p:cNvPr id="6" name="TextBox 5">
             <a:extLst>
               <a:ext uri="{FF2B5EF4-FFF2-40B4-BE49-F238E27FC236}">
-                <a16:creationId xmlns:a16="http://schemas.microsoft.com/office/drawing/2014/main" id="{2AC4C56D-646B-4953-8A2C-5B133E8B46BA}"/>
+                <a16:creationId xmlns:a16="http://schemas.microsoft.com/office/drawing/2014/main" id="{58506971-80D9-462B-B3F6-8B5A325EBC98}"/>
               </a:ext>
             </a:extLst>
           </p:cNvPr>
@@ -13647,20 +13941,20 @@
         </p:nvSpPr>
         <p:spPr>
           <a:xfrm>
-            <a:off x="0" y="1360357"/>
-            <a:ext cx="4023360" cy="2327973"/>
+            <a:off x="-1023623" y="4870480"/>
+            <a:ext cx="7982712" cy="868680"/>
           </a:xfrm>
           <a:prstGeom prst="rect">
             <a:avLst/>
           </a:prstGeom>
         </p:spPr>
         <p:txBody>
-          <a:bodyPr vert="horz" lIns="91440" tIns="45720" rIns="91440" bIns="45720" rtlCol="0" anchor="b">
+          <a:bodyPr vert="horz" lIns="91440" tIns="45720" rIns="91440" bIns="45720" rtlCol="0" anchor="ctr">
             <a:normAutofit/>
           </a:bodyPr>
           <a:lstStyle/>
           <a:p>
-            <a:pPr>
+            <a:pPr algn="ctr">
               <a:lnSpc>
                 <a:spcPct val="90000"/>
               </a:lnSpc>
@@ -13672,16 +13966,29 @@
               </a:spcAft>
             </a:pPr>
             <a:r>
-              <a:rPr lang="en-US" sz="2400" b="1" i="1" cap="all" baseline="0" dirty="0">
+              <a:rPr lang="en-US" sz="2200" b="1" i="1" cap="all" baseline="0" dirty="0">
                 <a:latin typeface="+mj-lt"/>
                 <a:ea typeface="+mj-ea"/>
                 <a:cs typeface="+mj-cs"/>
               </a:rPr>
-              <a:t>OMAR KATA’A</a:t>
+              <a:t>Haitham Al-</a:t>
             </a:r>
+            <a:r>
+              <a:rPr lang="en-US" sz="2200" b="1" i="1" cap="all" baseline="0" dirty="0" err="1">
+                <a:latin typeface="+mj-lt"/>
+                <a:ea typeface="+mj-ea"/>
+                <a:cs typeface="+mj-cs"/>
+              </a:rPr>
+              <a:t>Ulaimi</a:t>
+            </a:r>
+            <a:endParaRPr lang="en-US" sz="2200" b="1" i="1" cap="all" baseline="0" dirty="0">
+              <a:latin typeface="+mj-lt"/>
+              <a:ea typeface="+mj-ea"/>
+              <a:cs typeface="+mj-cs"/>
+            </a:endParaRPr>
           </a:p>
           <a:p>
-            <a:pPr>
+            <a:pPr algn="ctr">
               <a:lnSpc>
                 <a:spcPct val="90000"/>
               </a:lnSpc>
@@ -13693,13 +14000,16 @@
               </a:spcAft>
             </a:pPr>
             <a:r>
-              <a:rPr lang="en-US" sz="2400" i="1" cap="all" dirty="0" err="1"/>
-              <a:t>Role:scrum</a:t>
+              <a:rPr lang="en-US" sz="2200" i="1" cap="all" dirty="0">
+                <a:latin typeface="+mj-lt"/>
+                <a:ea typeface="+mj-ea"/>
+                <a:cs typeface="+mj-cs"/>
+              </a:rPr>
+              <a:t>MEMBER</a:t>
             </a:r>
-            <a:endParaRPr lang="en-US" sz="2400" i="1" cap="all" dirty="0"/>
           </a:p>
           <a:p>
-            <a:pPr>
+            <a:pPr algn="ctr">
               <a:lnSpc>
                 <a:spcPct val="90000"/>
               </a:lnSpc>
@@ -13710,7 +14020,25 @@
                 <a:spcPts val="600"/>
               </a:spcAft>
             </a:pPr>
-            <a:endParaRPr lang="en-US" sz="2400" i="1" cap="all" baseline="0" dirty="0">
+            <a:endParaRPr lang="en-US" sz="2200" i="1" cap="all" baseline="0" dirty="0">
+              <a:latin typeface="+mj-lt"/>
+              <a:ea typeface="+mj-ea"/>
+              <a:cs typeface="+mj-cs"/>
+            </a:endParaRPr>
+          </a:p>
+          <a:p>
+            <a:pPr algn="ctr">
+              <a:lnSpc>
+                <a:spcPct val="90000"/>
+              </a:lnSpc>
+              <a:spcBef>
+                <a:spcPct val="0"/>
+              </a:spcBef>
+              <a:spcAft>
+                <a:spcPts val="600"/>
+              </a:spcAft>
+            </a:pPr>
+            <a:endParaRPr lang="en-US" sz="2200" i="1" cap="all" baseline="0" dirty="0">
               <a:latin typeface="+mj-lt"/>
               <a:ea typeface="+mj-ea"/>
               <a:cs typeface="+mj-cs"/>
@@ -13718,36 +14046,100 @@
           </a:p>
         </p:txBody>
       </p:sp>
-    </p:spTree>
-    <p:extLst>
-      <p:ext uri="{BB962C8B-B14F-4D97-AF65-F5344CB8AC3E}">
-        <p14:creationId xmlns:p14="http://schemas.microsoft.com/office/powerpoint/2010/main" val="89182555"/>
-      </p:ext>
-    </p:extLst>
-  </p:cSld>
-  <p:clrMapOvr>
-    <a:overrideClrMapping bg1="lt1" tx1="dk1" bg2="lt2" tx2="dk2" accent1="accent1" accent2="accent2" accent3="accent3" accent4="accent4" accent5="accent5" accent6="accent6" hlink="hlink" folHlink="folHlink"/>
-  </p:clrMapOvr>
-</p:sld>
-</file>
-
-<file path=ppt/slides/slide3.xml><?xml version="1.0" encoding="utf-8"?>
-<p:sld xmlns:a="http://schemas.openxmlformats.org/drawingml/2006/main" xmlns:r="http://schemas.openxmlformats.org/officeDocument/2006/relationships" xmlns:p="http://schemas.openxmlformats.org/presentationml/2006/main">
-  <p:cSld>
-    <p:spTree>
-      <p:nvGrpSpPr>
-        <p:cNvPr id="1" name=""/>
-        <p:cNvGrpSpPr/>
-        <p:nvPr/>
-      </p:nvGrpSpPr>
-      <p:grpSpPr>
-        <a:xfrm>
-          <a:off x="0" y="0"/>
-          <a:ext cx="0" cy="0"/>
-          <a:chOff x="0" y="0"/>
-          <a:chExt cx="0" cy="0"/>
-        </a:xfrm>
-      </p:grpSpPr>
+      <p:sp>
+        <p:nvSpPr>
+          <p:cNvPr id="28" name="Rectangle: Rounded Corners 27">
+            <a:extLst>
+              <a:ext uri="{FF2B5EF4-FFF2-40B4-BE49-F238E27FC236}">
+                <a16:creationId xmlns:a16="http://schemas.microsoft.com/office/drawing/2014/main" id="{F94368A0-A606-4A85-99C2-5DEC95FCC9C0}"/>
+              </a:ext>
+              <a:ext uri="{C183D7F6-B498-43B3-948B-1728B52AA6E4}">
+                <adec:decorative xmlns:adec="http://schemas.microsoft.com/office/drawing/2017/decorative" val="1"/>
+              </a:ext>
+            </a:extLst>
+          </p:cNvPr>
+          <p:cNvSpPr>
+            <a:spLocks noGrp="1" noRot="1" noChangeAspect="1" noMove="1" noResize="1" noEditPoints="1" noAdjustHandles="1" noChangeArrowheads="1" noChangeShapeType="1" noTextEdit="1"/>
+          </p:cNvSpPr>
+          <p:nvPr>
+            <p:extLst>
+              <p:ext uri="{386F3935-93C4-4BCD-93E2-E3B085C9AB24}">
+                <p16:designElem xmlns:p16="http://schemas.microsoft.com/office/powerpoint/2015/main" val="1"/>
+              </p:ext>
+            </p:extLst>
+          </p:nvPr>
+        </p:nvSpPr>
+        <p:spPr>
+          <a:xfrm>
+            <a:off x="2483110" y="5628237"/>
+            <a:ext cx="7225780" cy="685800"/>
+          </a:xfrm>
+          <a:prstGeom prst="roundRect">
+            <a:avLst>
+              <a:gd name="adj" fmla="val 0"/>
+            </a:avLst>
+          </a:prstGeom>
+          <a:solidFill>
+            <a:schemeClr val="accent1"/>
+          </a:solidFill>
+          <a:ln>
+            <a:noFill/>
+          </a:ln>
+        </p:spPr>
+        <p:style>
+          <a:lnRef idx="2">
+            <a:schemeClr val="accent1">
+              <a:shade val="50000"/>
+            </a:schemeClr>
+          </a:lnRef>
+          <a:fillRef idx="1">
+            <a:schemeClr val="accent1"/>
+          </a:fillRef>
+          <a:effectRef idx="0">
+            <a:schemeClr val="accent1"/>
+          </a:effectRef>
+          <a:fontRef idx="minor">
+            <a:schemeClr val="lt1"/>
+          </a:fontRef>
+        </p:style>
+        <p:txBody>
+          <a:bodyPr rtlCol="0" anchor="ctr"/>
+          <a:lstStyle/>
+          <a:p>
+            <a:pPr marL="0" marR="0" lvl="0" indent="0" algn="ctr" defTabSz="914400" rtl="0" eaLnBrk="1" fontAlgn="auto" latinLnBrk="0" hangingPunct="1">
+              <a:lnSpc>
+                <a:spcPct val="100000"/>
+              </a:lnSpc>
+              <a:spcBef>
+                <a:spcPts val="0"/>
+              </a:spcBef>
+              <a:spcAft>
+                <a:spcPts val="0"/>
+              </a:spcAft>
+              <a:buClrTx/>
+              <a:buSzTx/>
+              <a:buFontTx/>
+              <a:buNone/>
+              <a:tabLst/>
+              <a:defRPr/>
+            </a:pPr>
+            <a:endParaRPr kumimoji="0" lang="en-US" sz="1800" b="0" i="0" u="none" strike="noStrike" kern="1200" cap="none" spc="0" normalizeH="0" baseline="0" noProof="0">
+              <a:ln>
+                <a:noFill/>
+              </a:ln>
+              <a:solidFill>
+                <a:prstClr val="white"/>
+              </a:solidFill>
+              <a:effectLst/>
+              <a:uLnTx/>
+              <a:uFillTx/>
+              <a:latin typeface="Avenir Next LT Pro"/>
+              <a:ea typeface="+mn-ea"/>
+              <a:cs typeface="+mn-cs"/>
+            </a:endParaRPr>
+          </a:p>
+        </p:txBody>
+      </p:sp>
       <p:pic>
         <p:nvPicPr>
           <p:cNvPr id="5" name="Picture 4">
@@ -13770,13 +14162,48 @@
               </a:ext>
             </a:extLst>
           </a:blip>
-          <a:srcRect r="-2" b="43433"/>
+          <a:srcRect t="1864" r="2" b="45298"/>
           <a:stretch/>
         </p:blipFill>
         <p:spPr>
           <a:xfrm>
-            <a:off x="3715719" y="10"/>
-            <a:ext cx="8668512" cy="6857990"/>
+            <a:off x="20" y="10"/>
+            <a:ext cx="5989300" cy="4426159"/>
+          </a:xfrm>
+          <a:prstGeom prst="rect">
+            <a:avLst/>
+          </a:prstGeom>
+        </p:spPr>
+      </p:pic>
+      <p:pic>
+        <p:nvPicPr>
+          <p:cNvPr id="9" name="Picture 8">
+            <a:extLst>
+              <a:ext uri="{FF2B5EF4-FFF2-40B4-BE49-F238E27FC236}">
+                <a16:creationId xmlns:a16="http://schemas.microsoft.com/office/drawing/2014/main" id="{23A207CC-7BC8-4881-AEAB-88371F79AC82}"/>
+              </a:ext>
+            </a:extLst>
+          </p:cNvPr>
+          <p:cNvPicPr>
+            <a:picLocks noChangeAspect="1"/>
+          </p:cNvPicPr>
+          <p:nvPr/>
+        </p:nvPicPr>
+        <p:blipFill rotWithShape="1">
+          <a:blip r:embed="rId3" cstate="print">
+            <a:extLst>
+              <a:ext uri="{28A0092B-C50C-407E-A947-70E740481C1C}">
+                <a14:useLocalDpi xmlns:a14="http://schemas.microsoft.com/office/drawing/2010/main" val="0"/>
+              </a:ext>
+            </a:extLst>
+          </a:blip>
+          <a:srcRect t="4393" r="2" b="42769"/>
+          <a:stretch/>
+        </p:blipFill>
+        <p:spPr>
+          <a:xfrm>
+            <a:off x="6202680" y="10"/>
+            <a:ext cx="5989320" cy="4426159"/>
           </a:xfrm>
           <a:prstGeom prst="rect">
             <a:avLst/>
@@ -13785,10 +14212,10 @@
       </p:pic>
       <p:sp>
         <p:nvSpPr>
-          <p:cNvPr id="6" name="TextBox 5">
+          <p:cNvPr id="21" name="TextBox 20">
             <a:extLst>
               <a:ext uri="{FF2B5EF4-FFF2-40B4-BE49-F238E27FC236}">
-                <a16:creationId xmlns:a16="http://schemas.microsoft.com/office/drawing/2014/main" id="{58506971-80D9-462B-B3F6-8B5A325EBC98}"/>
+                <a16:creationId xmlns:a16="http://schemas.microsoft.com/office/drawing/2014/main" id="{10A208E0-F4AB-4F23-BAAB-F3F2E4B8A067}"/>
               </a:ext>
             </a:extLst>
           </p:cNvPr>
@@ -13797,20 +14224,20 @@
         </p:nvSpPr>
         <p:spPr>
           <a:xfrm>
-            <a:off x="0" y="1110171"/>
-            <a:ext cx="4023360" cy="3204134"/>
+            <a:off x="6447538" y="4839567"/>
+            <a:ext cx="5989321" cy="868680"/>
           </a:xfrm>
           <a:prstGeom prst="rect">
             <a:avLst/>
           </a:prstGeom>
         </p:spPr>
         <p:txBody>
-          <a:bodyPr vert="horz" lIns="91440" tIns="45720" rIns="91440" bIns="45720" rtlCol="0" anchor="b">
+          <a:bodyPr vert="horz" lIns="91440" tIns="45720" rIns="91440" bIns="45720" rtlCol="0" anchor="ctr">
             <a:normAutofit/>
           </a:bodyPr>
           <a:lstStyle/>
           <a:p>
-            <a:pPr>
+            <a:pPr algn="ctr">
               <a:lnSpc>
                 <a:spcPct val="90000"/>
               </a:lnSpc>
@@ -13822,29 +14249,29 @@
               </a:spcAft>
             </a:pPr>
             <a:r>
-              <a:rPr lang="en-US" sz="2400" b="1" i="1" cap="all" baseline="0" dirty="0">
+              <a:rPr lang="en-US" sz="2200" b="1" i="1" cap="all" baseline="0" dirty="0">
                 <a:latin typeface="+mj-lt"/>
                 <a:ea typeface="+mj-ea"/>
                 <a:cs typeface="+mj-cs"/>
               </a:rPr>
-              <a:t>Haitham Al-</a:t>
+              <a:t>OMAR </a:t>
             </a:r>
             <a:r>
-              <a:rPr lang="en-US" sz="2400" b="1" i="1" cap="all" baseline="0" dirty="0" err="1">
+              <a:rPr lang="en-US" sz="2200" b="1" i="1" cap="all" baseline="0" dirty="0" err="1">
                 <a:latin typeface="+mj-lt"/>
                 <a:ea typeface="+mj-ea"/>
                 <a:cs typeface="+mj-cs"/>
               </a:rPr>
-              <a:t>Ulaimi</a:t>
+              <a:t>Kata’a</a:t>
             </a:r>
-            <a:endParaRPr lang="en-US" sz="2400" b="1" i="1" cap="all" baseline="0" dirty="0">
+            <a:endParaRPr lang="en-US" sz="2200" b="1" i="1" cap="all" baseline="0" dirty="0">
               <a:latin typeface="+mj-lt"/>
               <a:ea typeface="+mj-ea"/>
               <a:cs typeface="+mj-cs"/>
             </a:endParaRPr>
           </a:p>
           <a:p>
-            <a:pPr>
+            <a:pPr algn="ctr">
               <a:lnSpc>
                 <a:spcPct val="90000"/>
               </a:lnSpc>
@@ -13856,13 +14283,16 @@
               </a:spcAft>
             </a:pPr>
             <a:r>
-              <a:rPr lang="en-US" sz="2400" i="1" cap="all" dirty="0" err="1"/>
-              <a:t>Role:MEMBER</a:t>
+              <a:rPr lang="en-US" sz="2200" i="1" cap="all" dirty="0">
+                <a:latin typeface="+mj-lt"/>
+                <a:ea typeface="+mj-ea"/>
+                <a:cs typeface="+mj-cs"/>
+              </a:rPr>
+              <a:t>Scrum</a:t>
             </a:r>
-            <a:endParaRPr lang="en-US" sz="2400" i="1" cap="all" dirty="0"/>
           </a:p>
           <a:p>
-            <a:pPr>
+            <a:pPr algn="ctr">
               <a:lnSpc>
                 <a:spcPct val="90000"/>
               </a:lnSpc>
@@ -13873,14 +14303,14 @@
                 <a:spcPts val="600"/>
               </a:spcAft>
             </a:pPr>
-            <a:endParaRPr lang="en-US" sz="2400" i="1" cap="all" baseline="0" dirty="0">
+            <a:endParaRPr lang="en-US" sz="2200" i="1" cap="all" baseline="0" dirty="0">
               <a:latin typeface="+mj-lt"/>
               <a:ea typeface="+mj-ea"/>
               <a:cs typeface="+mj-cs"/>
             </a:endParaRPr>
           </a:p>
           <a:p>
-            <a:pPr>
+            <a:pPr algn="ctr">
               <a:lnSpc>
                 <a:spcPct val="90000"/>
               </a:lnSpc>
@@ -13891,7 +14321,7 @@
                 <a:spcPts val="600"/>
               </a:spcAft>
             </a:pPr>
-            <a:endParaRPr lang="en-US" sz="4400" i="1" cap="all" baseline="0" dirty="0">
+            <a:endParaRPr lang="en-US" sz="2200" i="1" cap="all" baseline="0" dirty="0">
               <a:latin typeface="+mj-lt"/>
               <a:ea typeface="+mj-ea"/>
               <a:cs typeface="+mj-cs"/>
@@ -13912,7 +14342,7 @@
 </p:sld>
 </file>
 
-<file path=ppt/slides/slide4.xml><?xml version="1.0" encoding="utf-8"?>
+<file path=ppt/slides/slide3.xml><?xml version="1.0" encoding="utf-8"?>
 <p:sld xmlns:a="http://schemas.openxmlformats.org/drawingml/2006/main" xmlns:r="http://schemas.openxmlformats.org/officeDocument/2006/relationships" xmlns:p="http://schemas.openxmlformats.org/presentationml/2006/main">
   <p:cSld>
     <p:spTree>
@@ -13972,7 +14402,7 @@
 </p:sld>
 </file>
 
-<file path=ppt/slides/slide5.xml><?xml version="1.0" encoding="utf-8"?>
+<file path=ppt/slides/slide4.xml><?xml version="1.0" encoding="utf-8"?>
 <p:sld xmlns:a="http://schemas.openxmlformats.org/drawingml/2006/main" xmlns:r="http://schemas.openxmlformats.org/officeDocument/2006/relationships" xmlns:p="http://schemas.openxmlformats.org/presentationml/2006/main" showMasterSp="0">
   <p:cSld>
     <p:spTree>
@@ -14039,7 +14469,7 @@
         </p:blipFill>
         <p:spPr>
           <a:xfrm>
-            <a:off x="4924261" y="195072"/>
+            <a:off x="4924261" y="320332"/>
             <a:ext cx="2343477" cy="1984578"/>
           </a:xfrm>
           <a:prstGeom prst="rect">
@@ -14060,7 +14490,7 @@
 </p:sld>
 </file>
 
-<file path=ppt/slides/slide6.xml><?xml version="1.0" encoding="utf-8"?>
+<file path=ppt/slides/slide5.xml><?xml version="1.0" encoding="utf-8"?>
 <p:sld xmlns:a="http://schemas.openxmlformats.org/drawingml/2006/main" xmlns:r="http://schemas.openxmlformats.org/officeDocument/2006/relationships" xmlns:p="http://schemas.openxmlformats.org/presentationml/2006/main">
   <p:cSld>
     <p:bg>
@@ -14382,7 +14812,7 @@
 </p:sld>
 </file>
 
-<file path=ppt/slides/slide7.xml><?xml version="1.0" encoding="utf-8"?>
+<file path=ppt/slides/slide6.xml><?xml version="1.0" encoding="utf-8"?>
 <p:sld xmlns:a="http://schemas.openxmlformats.org/drawingml/2006/main" xmlns:r="http://schemas.openxmlformats.org/officeDocument/2006/relationships" xmlns:p="http://schemas.openxmlformats.org/presentationml/2006/main">
   <p:cSld>
     <p:bg>
@@ -14786,76 +15216,7 @@
 </p:sld>
 </file>
 
-<file path=ppt/slides/slide8.xml><?xml version="1.0" encoding="utf-8"?>
-<p:sld xmlns:a="http://schemas.openxmlformats.org/drawingml/2006/main" xmlns:r="http://schemas.openxmlformats.org/officeDocument/2006/relationships" xmlns:p="http://schemas.openxmlformats.org/presentationml/2006/main">
-  <p:cSld>
-    <p:spTree>
-      <p:nvGrpSpPr>
-        <p:cNvPr id="1" name=""/>
-        <p:cNvGrpSpPr/>
-        <p:nvPr/>
-      </p:nvGrpSpPr>
-      <p:grpSpPr>
-        <a:xfrm>
-          <a:off x="0" y="0"/>
-          <a:ext cx="0" cy="0"/>
-          <a:chOff x="0" y="0"/>
-          <a:chExt cx="0" cy="0"/>
-        </a:xfrm>
-      </p:grpSpPr>
-      <p:sp>
-        <p:nvSpPr>
-          <p:cNvPr id="2" name="Title 1">
-            <a:extLst>
-              <a:ext uri="{FF2B5EF4-FFF2-40B4-BE49-F238E27FC236}">
-                <a16:creationId xmlns:a16="http://schemas.microsoft.com/office/drawing/2014/main" id="{A73D498C-8B12-4959-9EBB-8872287662E7}"/>
-              </a:ext>
-            </a:extLst>
-          </p:cNvPr>
-          <p:cNvSpPr>
-            <a:spLocks noGrp="1"/>
-          </p:cNvSpPr>
-          <p:nvPr>
-            <p:ph type="title"/>
-          </p:nvPr>
-        </p:nvSpPr>
-        <p:spPr>
-          <a:xfrm>
-            <a:off x="1011936" y="799160"/>
-            <a:ext cx="10168128" cy="1179576"/>
-          </a:xfrm>
-        </p:spPr>
-        <p:txBody>
-          <a:bodyPr>
-            <a:normAutofit fontScale="90000"/>
-          </a:bodyPr>
-          <a:lstStyle/>
-          <a:p>
-            <a:r>
-              <a:rPr lang="en-US" dirty="0"/>
-              <a:t>The End</a:t>
-            </a:r>
-            <a:br>
-              <a:rPr lang="en-US" dirty="0"/>
-            </a:br>
-            <a:endParaRPr lang="en-US" dirty="0"/>
-          </a:p>
-        </p:txBody>
-      </p:sp>
-    </p:spTree>
-    <p:extLst>
-      <p:ext uri="{BB962C8B-B14F-4D97-AF65-F5344CB8AC3E}">
-        <p14:creationId xmlns:p14="http://schemas.microsoft.com/office/powerpoint/2010/main" val="2229870034"/>
-      </p:ext>
-    </p:extLst>
-  </p:cSld>
-  <p:clrMapOvr>
-    <a:masterClrMapping/>
-  </p:clrMapOvr>
-</p:sld>
-</file>
-
-<file path=ppt/slides/slide9.xml><?xml version="1.0" encoding="utf-8"?>
+<file path=ppt/slides/slide7.xml><?xml version="1.0" encoding="utf-8"?>
 <p:sld xmlns:a="http://schemas.openxmlformats.org/drawingml/2006/main" xmlns:r="http://schemas.openxmlformats.org/officeDocument/2006/relationships" xmlns:p="http://schemas.openxmlformats.org/presentationml/2006/main">
   <p:cSld>
     <p:bg>
@@ -15253,6 +15614,75 @@
 </p:sld>
 </file>
 
+<file path=ppt/slides/slide8.xml><?xml version="1.0" encoding="utf-8"?>
+<p:sld xmlns:a="http://schemas.openxmlformats.org/drawingml/2006/main" xmlns:r="http://schemas.openxmlformats.org/officeDocument/2006/relationships" xmlns:p="http://schemas.openxmlformats.org/presentationml/2006/main">
+  <p:cSld>
+    <p:spTree>
+      <p:nvGrpSpPr>
+        <p:cNvPr id="1" name=""/>
+        <p:cNvGrpSpPr/>
+        <p:nvPr/>
+      </p:nvGrpSpPr>
+      <p:grpSpPr>
+        <a:xfrm>
+          <a:off x="0" y="0"/>
+          <a:ext cx="0" cy="0"/>
+          <a:chOff x="0" y="0"/>
+          <a:chExt cx="0" cy="0"/>
+        </a:xfrm>
+      </p:grpSpPr>
+      <p:sp>
+        <p:nvSpPr>
+          <p:cNvPr id="2" name="Title 1">
+            <a:extLst>
+              <a:ext uri="{FF2B5EF4-FFF2-40B4-BE49-F238E27FC236}">
+                <a16:creationId xmlns:a16="http://schemas.microsoft.com/office/drawing/2014/main" id="{A73D498C-8B12-4959-9EBB-8872287662E7}"/>
+              </a:ext>
+            </a:extLst>
+          </p:cNvPr>
+          <p:cNvSpPr>
+            <a:spLocks noGrp="1"/>
+          </p:cNvSpPr>
+          <p:nvPr>
+            <p:ph type="title"/>
+          </p:nvPr>
+        </p:nvSpPr>
+        <p:spPr>
+          <a:xfrm>
+            <a:off x="1011936" y="799160"/>
+            <a:ext cx="10168128" cy="1179576"/>
+          </a:xfrm>
+        </p:spPr>
+        <p:txBody>
+          <a:bodyPr>
+            <a:normAutofit fontScale="90000"/>
+          </a:bodyPr>
+          <a:lstStyle/>
+          <a:p>
+            <a:r>
+              <a:rPr lang="en-US" dirty="0"/>
+              <a:t>The End</a:t>
+            </a:r>
+            <a:br>
+              <a:rPr lang="en-US" dirty="0"/>
+            </a:br>
+            <a:endParaRPr lang="en-US" dirty="0"/>
+          </a:p>
+        </p:txBody>
+      </p:sp>
+    </p:spTree>
+    <p:extLst>
+      <p:ext uri="{BB962C8B-B14F-4D97-AF65-F5344CB8AC3E}">
+        <p14:creationId xmlns:p14="http://schemas.microsoft.com/office/powerpoint/2010/main" val="2229870034"/>
+      </p:ext>
+    </p:extLst>
+  </p:cSld>
+  <p:clrMapOvr>
+    <a:masterClrMapping/>
+  </p:clrMapOvr>
+</p:sld>
+</file>
+
 <file path=ppt/theme/theme1.xml><?xml version="1.0" encoding="utf-8"?>
 <a:theme xmlns:a="http://schemas.openxmlformats.org/drawingml/2006/main" name="AccentBoxVTI">
   <a:themeElements>
@@ -15452,47 +15882,4 @@
     </a:ext>
   </a:extLst>
 </a:theme>
-</file>
-
-<file path=ppt/theme/themeOverride1.xml><?xml version="1.0" encoding="utf-8"?>
-<a:themeOverride xmlns:a="http://schemas.openxmlformats.org/drawingml/2006/main">
-  <a:clrScheme name="AccentBoxVTI">
-    <a:dk1>
-      <a:srgbClr val="000000"/>
-    </a:dk1>
-    <a:lt1>
-      <a:sysClr val="window" lastClr="FFFFFF"/>
-    </a:lt1>
-    <a:dk2>
-      <a:srgbClr val="262626"/>
-    </a:dk2>
-    <a:lt2>
-      <a:srgbClr val="FFFFFF"/>
-    </a:lt2>
-    <a:accent1>
-      <a:srgbClr val="F5A700"/>
-    </a:accent1>
-    <a:accent2>
-      <a:srgbClr val="00A5AB"/>
-    </a:accent2>
-    <a:accent3>
-      <a:srgbClr val="09963B"/>
-    </a:accent3>
-    <a:accent4>
-      <a:srgbClr val="E64823"/>
-    </a:accent4>
-    <a:accent5>
-      <a:srgbClr val="9C6A6A"/>
-    </a:accent5>
-    <a:accent6>
-      <a:srgbClr val="824F8C"/>
-    </a:accent6>
-    <a:hlink>
-      <a:srgbClr val="2998E3"/>
-    </a:hlink>
-    <a:folHlink>
-      <a:srgbClr val="7F723D"/>
-    </a:folHlink>
-  </a:clrScheme>
-</a:themeOverride>
 </file>